--- a/PPTs/Variables and operators.pptx
+++ b/PPTs/Variables and operators.pptx
@@ -8,7 +8,14 @@
     <p:sldId id="256" r:id="rId2"/>
     <p:sldId id="257" r:id="rId3"/>
     <p:sldId id="258" r:id="rId4"/>
-    <p:sldId id="259" r:id="rId5"/>
+    <p:sldId id="260" r:id="rId5"/>
+    <p:sldId id="261" r:id="rId6"/>
+    <p:sldId id="259" r:id="rId7"/>
+    <p:sldId id="262" r:id="rId8"/>
+    <p:sldId id="263" r:id="rId9"/>
+    <p:sldId id="264" r:id="rId10"/>
+    <p:sldId id="265" r:id="rId11"/>
+    <p:sldId id="266" r:id="rId12"/>
   </p:sldIdLst>
   <p:sldSz cx="9144000" cy="5143500" type="screen16x9"/>
   <p:notesSz cx="6858000" cy="9144000"/>
@@ -299,7 +306,7 @@
             <a:fld id="{C8A432C8-69A7-458B-9684-2BFA64B31948}" type="datetime2">
               <a:rPr lang="en-US" smtClean="0"/>
               <a:pPr/>
-              <a:t>Wednesday, May 17, 2017</a:t>
+              <a:t>Tuesday, May 23, 2017</a:t>
             </a:fld>
             <a:endParaRPr lang="en-US"/>
           </a:p>
@@ -502,7 +509,7 @@
             <a:fld id="{8CC057FC-95B6-4D89-AFDA-ABA33EE921E5}" type="datetime2">
               <a:rPr lang="en-US" smtClean="0"/>
               <a:pPr/>
-              <a:t>Wednesday, May 17, 2017</a:t>
+              <a:t>Tuesday, May 23, 2017</a:t>
             </a:fld>
             <a:endParaRPr lang="en-US"/>
           </a:p>
@@ -680,7 +687,7 @@
             <a:fld id="{EC4549AC-EB31-477F-92A9-B1988E232878}" type="datetime2">
               <a:rPr lang="en-US" smtClean="0"/>
               <a:pPr/>
-              <a:t>Wednesday, May 17, 2017</a:t>
+              <a:t>Tuesday, May 23, 2017</a:t>
             </a:fld>
             <a:endParaRPr lang="en-US"/>
           </a:p>
@@ -848,7 +855,7 @@
             <a:fld id="{6396A3A3-94A6-4E5B-AF39-173ACA3E61CC}" type="datetime2">
               <a:rPr lang="en-US" smtClean="0"/>
               <a:pPr/>
-              <a:t>Wednesday, May 17, 2017</a:t>
+              <a:t>Tuesday, May 23, 2017</a:t>
             </a:fld>
             <a:endParaRPr lang="en-US"/>
           </a:p>
@@ -1099,7 +1106,7 @@
             <a:fld id="{9933D019-A32C-4EAD-B8E6-DBDA699692FD}" type="datetime2">
               <a:rPr lang="en-US" smtClean="0"/>
               <a:pPr/>
-              <a:t>Wednesday, May 17, 2017</a:t>
+              <a:t>Tuesday, May 23, 2017</a:t>
             </a:fld>
             <a:endParaRPr lang="en-US"/>
           </a:p>
@@ -1420,7 +1427,7 @@
             <a:fld id="{CCEBA98F-560C-4997-81C4-81D4D9187EAB}" type="datetime2">
               <a:rPr lang="en-US" smtClean="0"/>
               <a:pPr/>
-              <a:t>Wednesday, May 17, 2017</a:t>
+              <a:t>Tuesday, May 23, 2017</a:t>
             </a:fld>
             <a:endParaRPr lang="en-US"/>
           </a:p>
@@ -1889,7 +1896,7 @@
             <a:fld id="{150972B2-CA5C-437D-87D0-8081271A9E4B}" type="datetime2">
               <a:rPr lang="en-US" smtClean="0"/>
               <a:pPr/>
-              <a:t>Wednesday, May 17, 2017</a:t>
+              <a:t>Tuesday, May 23, 2017</a:t>
             </a:fld>
             <a:endParaRPr lang="en-US"/>
           </a:p>
@@ -2040,7 +2047,7 @@
             <a:fld id="{79CD4847-11EF-4466-A8AD-85CDB7B49118}" type="datetime2">
               <a:rPr lang="en-US" smtClean="0"/>
               <a:pPr/>
-              <a:t>Wednesday, May 17, 2017</a:t>
+              <a:t>Tuesday, May 23, 2017</a:t>
             </a:fld>
             <a:endParaRPr lang="en-US"/>
           </a:p>
@@ -2133,7 +2140,7 @@
             <a:fld id="{F168457A-3AB9-4880-8A0C-9F8524491207}" type="datetime2">
               <a:rPr lang="en-US" smtClean="0"/>
               <a:pPr/>
-              <a:t>Wednesday, May 17, 2017</a:t>
+              <a:t>Tuesday, May 23, 2017</a:t>
             </a:fld>
             <a:endParaRPr lang="en-US"/>
           </a:p>
@@ -2410,7 +2417,7 @@
             <a:fld id="{3FE976D3-5B7F-4300-ABED-C91F1B2AE209}" type="datetime2">
               <a:rPr lang="en-US" smtClean="0"/>
               <a:pPr/>
-              <a:t>Wednesday, May 17, 2017</a:t>
+              <a:t>Tuesday, May 23, 2017</a:t>
             </a:fld>
             <a:endParaRPr lang="en-US"/>
           </a:p>
@@ -2718,7 +2725,7 @@
             <a:fld id="{EBDC1E59-17DD-41CE-97CA-624A472382D4}" type="datetime2">
               <a:rPr lang="en-US" smtClean="0"/>
               <a:pPr/>
-              <a:t>Wednesday, May 17, 2017</a:t>
+              <a:t>Tuesday, May 23, 2017</a:t>
             </a:fld>
             <a:endParaRPr lang="en-US"/>
           </a:p>
@@ -3019,7 +3026,7 @@
             <a:fld id="{A80CB818-7379-467D-8E76-EF9D9074A26C}" type="datetime2">
               <a:rPr lang="en-US" smtClean="0"/>
               <a:pPr/>
-              <a:t>Wednesday, May 17, 2017</a:t>
+              <a:t>Tuesday, May 23, 2017</a:t>
             </a:fld>
             <a:endParaRPr lang="en-US" dirty="0"/>
           </a:p>
@@ -3474,6 +3481,132 @@
 </p:sld>
 </file>
 
+<file path=ppt/slides/slide10.xml><?xml version="1.0" encoding="utf-8"?>
+<p:sld xmlns:a="http://schemas.openxmlformats.org/drawingml/2006/main" xmlns:r="http://schemas.openxmlformats.org/officeDocument/2006/relationships" xmlns:p="http://schemas.openxmlformats.org/presentationml/2006/main">
+  <p:cSld>
+    <p:spTree>
+      <p:nvGrpSpPr>
+        <p:cNvPr id="1" name=""/>
+        <p:cNvGrpSpPr/>
+        <p:nvPr/>
+      </p:nvGrpSpPr>
+      <p:grpSpPr>
+        <a:xfrm>
+          <a:off x="0" y="0"/>
+          <a:ext cx="0" cy="0"/>
+          <a:chOff x="0" y="0"/>
+          <a:chExt cx="0" cy="0"/>
+        </a:xfrm>
+      </p:grpSpPr>
+      <p:sp>
+        <p:nvSpPr>
+          <p:cNvPr id="2" name="Title 1"/>
+          <p:cNvSpPr>
+            <a:spLocks noGrp="1"/>
+          </p:cNvSpPr>
+          <p:nvPr>
+            <p:ph type="title"/>
+          </p:nvPr>
+        </p:nvSpPr>
+        <p:spPr/>
+        <p:txBody>
+          <a:bodyPr/>
+          <a:lstStyle/>
+          <a:p>
+            <a:endParaRPr lang="en-US"/>
+          </a:p>
+        </p:txBody>
+      </p:sp>
+      <p:sp>
+        <p:nvSpPr>
+          <p:cNvPr id="3" name="Content Placeholder 2"/>
+          <p:cNvSpPr>
+            <a:spLocks noGrp="1"/>
+          </p:cNvSpPr>
+          <p:nvPr>
+            <p:ph idx="1"/>
+          </p:nvPr>
+        </p:nvSpPr>
+        <p:spPr/>
+        <p:txBody>
+          <a:bodyPr/>
+          <a:lstStyle/>
+          <a:p>
+            <a:endParaRPr lang="en-US"/>
+          </a:p>
+        </p:txBody>
+      </p:sp>
+    </p:spTree>
+  </p:cSld>
+  <p:clrMapOvr>
+    <a:masterClrMapping/>
+  </p:clrMapOvr>
+</p:sld>
+</file>
+
+<file path=ppt/slides/slide11.xml><?xml version="1.0" encoding="utf-8"?>
+<p:sld xmlns:a="http://schemas.openxmlformats.org/drawingml/2006/main" xmlns:r="http://schemas.openxmlformats.org/officeDocument/2006/relationships" xmlns:p="http://schemas.openxmlformats.org/presentationml/2006/main">
+  <p:cSld>
+    <p:spTree>
+      <p:nvGrpSpPr>
+        <p:cNvPr id="1" name=""/>
+        <p:cNvGrpSpPr/>
+        <p:nvPr/>
+      </p:nvGrpSpPr>
+      <p:grpSpPr>
+        <a:xfrm>
+          <a:off x="0" y="0"/>
+          <a:ext cx="0" cy="0"/>
+          <a:chOff x="0" y="0"/>
+          <a:chExt cx="0" cy="0"/>
+        </a:xfrm>
+      </p:grpSpPr>
+      <p:sp>
+        <p:nvSpPr>
+          <p:cNvPr id="2" name="Title 1"/>
+          <p:cNvSpPr>
+            <a:spLocks noGrp="1"/>
+          </p:cNvSpPr>
+          <p:nvPr>
+            <p:ph type="title"/>
+          </p:nvPr>
+        </p:nvSpPr>
+        <p:spPr/>
+        <p:txBody>
+          <a:bodyPr/>
+          <a:lstStyle/>
+          <a:p>
+            <a:endParaRPr lang="en-US"/>
+          </a:p>
+        </p:txBody>
+      </p:sp>
+      <p:sp>
+        <p:nvSpPr>
+          <p:cNvPr id="3" name="Content Placeholder 2"/>
+          <p:cNvSpPr>
+            <a:spLocks noGrp="1"/>
+          </p:cNvSpPr>
+          <p:nvPr>
+            <p:ph idx="1"/>
+          </p:nvPr>
+        </p:nvSpPr>
+        <p:spPr/>
+        <p:txBody>
+          <a:bodyPr/>
+          <a:lstStyle/>
+          <a:p>
+            <a:endParaRPr lang="en-US"/>
+          </a:p>
+        </p:txBody>
+      </p:sp>
+    </p:spTree>
+  </p:cSld>
+  <p:clrMapOvr>
+    <a:masterClrMapping/>
+  </p:clrMapOvr>
+</p:sld>
+</file>
+
 <file path=ppt/slides/slide2.xml><?xml version="1.0" encoding="utf-8"?>
 <p:sld xmlns:a="http://schemas.openxmlformats.org/drawingml/2006/main" xmlns:r="http://schemas.openxmlformats.org/officeDocument/2006/relationships" xmlns:p="http://schemas.openxmlformats.org/presentationml/2006/main">
   <p:cSld>
@@ -3533,13 +3666,8 @@
           <a:p>
             <a:r>
               <a:rPr lang="pt-BR" dirty="0" smtClean="0"/>
-              <a:t>Variables</a:t>
-            </a:r>
-            <a:r>
-              <a:rPr lang="pt-BR" dirty="0" smtClean="0"/>
-              <a:t> and data types</a:t>
-            </a:r>
-            <a:endParaRPr lang="pt-BR" dirty="0" smtClean="0"/>
+              <a:t>Data types, constants and Variables</a:t>
+            </a:r>
           </a:p>
           <a:p>
             <a:r>
@@ -3573,7 +3701,6 @@
               <a:rPr lang="pt-BR" dirty="0" smtClean="0"/>
               <a:t>String opertors</a:t>
             </a:r>
-            <a:endParaRPr lang="pt-BR" dirty="0" smtClean="0"/>
           </a:p>
           <a:p>
             <a:pPr lvl="1"/>
@@ -3645,29 +3772,133 @@
           <a:bodyPr/>
           <a:lstStyle/>
           <a:p>
+            <a:r>
+              <a:rPr lang="pt-BR" dirty="0" smtClean="0"/>
+              <a:t>Constants and variables</a:t>
+            </a:r>
+            <a:endParaRPr lang="en-US" dirty="0"/>
+          </a:p>
+        </p:txBody>
+      </p:sp>
+      <p:sp>
+        <p:nvSpPr>
+          <p:cNvPr id="3" name="Content Placeholder 2"/>
+          <p:cNvSpPr>
+            <a:spLocks noGrp="1"/>
+          </p:cNvSpPr>
+          <p:nvPr>
+            <p:ph idx="1"/>
+          </p:nvPr>
+        </p:nvSpPr>
+        <p:spPr/>
+        <p:txBody>
+          <a:bodyPr/>
+          <a:lstStyle/>
+          <a:p>
+            <a:r>
+              <a:rPr lang="pt-BR" dirty="0" smtClean="0"/>
+              <a:t>Calculate simple interest (I)</a:t>
+            </a:r>
+          </a:p>
+          <a:p>
+            <a:pPr lvl="1"/>
+            <a:r>
+              <a:rPr lang="pt-BR" dirty="0" smtClean="0"/>
+              <a:t>We need to input</a:t>
+            </a:r>
+          </a:p>
+          <a:p>
+            <a:pPr lvl="2"/>
+            <a:r>
+              <a:rPr lang="pt-BR" dirty="0" smtClean="0"/>
+              <a:t>Principal amount (p), rate of interest (r) and time in years (t)</a:t>
+            </a:r>
+          </a:p>
+          <a:p>
+            <a:pPr lvl="2"/>
+            <a:r>
+              <a:rPr lang="pt-BR" dirty="0" smtClean="0"/>
+              <a:t> </a:t>
+            </a:r>
+            <a:endParaRPr lang="en-US" dirty="0"/>
+          </a:p>
+        </p:txBody>
+      </p:sp>
+      <p:sp>
+        <p:nvSpPr>
+          <p:cNvPr id="1028" name="Rectangle 4"/>
+          <p:cNvSpPr>
+            <a:spLocks noChangeArrowheads="1"/>
+          </p:cNvSpPr>
+          <p:nvPr/>
+        </p:nvSpPr>
+        <p:spPr bwMode="auto">
+          <a:xfrm>
+            <a:off x="0" y="0"/>
+            <a:ext cx="9144000" cy="0"/>
+          </a:xfrm>
+          <a:prstGeom prst="rect">
+            <a:avLst/>
+          </a:prstGeom>
+          <a:noFill/>
+          <a:ln w="9525">
+            <a:noFill/>
+            <a:miter lim="800000"/>
+            <a:headEnd/>
+            <a:tailEnd/>
+          </a:ln>
+          <a:effectLst/>
+        </p:spPr>
+        <p:txBody>
+          <a:bodyPr vert="horz" wrap="none" lIns="91440" tIns="45720" rIns="91440" bIns="45720" numCol="1" anchor="ctr" anchorCtr="0" compatLnSpc="1">
+            <a:prstTxWarp prst="textNoShape">
+              <a:avLst/>
+            </a:prstTxWarp>
+            <a:spAutoFit/>
+          </a:bodyPr>
+          <a:lstStyle/>
+          <a:p>
             <a:endParaRPr lang="en-US"/>
           </a:p>
         </p:txBody>
       </p:sp>
-      <p:sp>
-        <p:nvSpPr>
-          <p:cNvPr id="3" name="Content Placeholder 2"/>
-          <p:cNvSpPr>
-            <a:spLocks noGrp="1"/>
-          </p:cNvSpPr>
-          <p:nvPr>
-            <p:ph idx="1"/>
-          </p:nvPr>
-        </p:nvSpPr>
-        <p:spPr/>
-        <p:txBody>
-          <a:bodyPr/>
-          <a:lstStyle/>
-          <a:p>
-            <a:endParaRPr lang="en-US"/>
-          </a:p>
-        </p:txBody>
-      </p:sp>
+      <p:pic>
+        <p:nvPicPr>
+          <p:cNvPr id="1027" name="Picture 3"/>
+          <p:cNvPicPr>
+            <a:picLocks noChangeAspect="1" noChangeArrowheads="1"/>
+          </p:cNvPicPr>
+          <p:nvPr/>
+        </p:nvPicPr>
+        <p:blipFill>
+          <a:blip r:embed="rId2" cstate="print">
+            <a:clrChange>
+              <a:clrFrom>
+                <a:srgbClr val="FFFFFF"/>
+              </a:clrFrom>
+              <a:clrTo>
+                <a:srgbClr val="FFFFFF">
+                  <a:alpha val="0"/>
+                </a:srgbClr>
+              </a:clrTo>
+            </a:clrChange>
+          </a:blip>
+          <a:srcRect/>
+          <a:stretch>
+            <a:fillRect/>
+          </a:stretch>
+        </p:blipFill>
+        <p:spPr bwMode="auto">
+          <a:xfrm>
+            <a:off x="1674055" y="2595489"/>
+            <a:ext cx="1876425" cy="828675"/>
+          </a:xfrm>
+          <a:prstGeom prst="rect">
+            <a:avLst/>
+          </a:prstGeom>
+          <a:noFill/>
+        </p:spPr>
+      </p:pic>
     </p:spTree>
   </p:cSld>
   <p:clrMapOvr>
@@ -3677,6 +3908,1489 @@
 </file>
 
 <file path=ppt/slides/slide4.xml><?xml version="1.0" encoding="utf-8"?>
+<p:sld xmlns:a="http://schemas.openxmlformats.org/drawingml/2006/main" xmlns:r="http://schemas.openxmlformats.org/officeDocument/2006/relationships" xmlns:p="http://schemas.openxmlformats.org/presentationml/2006/main">
+  <p:cSld>
+    <p:spTree>
+      <p:nvGrpSpPr>
+        <p:cNvPr id="1" name=""/>
+        <p:cNvGrpSpPr/>
+        <p:nvPr/>
+      </p:nvGrpSpPr>
+      <p:grpSpPr>
+        <a:xfrm>
+          <a:off x="0" y="0"/>
+          <a:ext cx="0" cy="0"/>
+          <a:chOff x="0" y="0"/>
+          <a:chExt cx="0" cy="0"/>
+        </a:xfrm>
+      </p:grpSpPr>
+      <p:sp>
+        <p:nvSpPr>
+          <p:cNvPr id="2" name="Title 1"/>
+          <p:cNvSpPr>
+            <a:spLocks noGrp="1"/>
+          </p:cNvSpPr>
+          <p:nvPr>
+            <p:ph type="title"/>
+          </p:nvPr>
+        </p:nvSpPr>
+        <p:spPr/>
+        <p:txBody>
+          <a:bodyPr/>
+          <a:lstStyle/>
+          <a:p>
+            <a:r>
+              <a:rPr lang="pt-BR" dirty="0" smtClean="0"/>
+              <a:t>Constants and variables</a:t>
+            </a:r>
+            <a:endParaRPr lang="en-US" dirty="0"/>
+          </a:p>
+        </p:txBody>
+      </p:sp>
+      <p:sp>
+        <p:nvSpPr>
+          <p:cNvPr id="3" name="Content Placeholder 2"/>
+          <p:cNvSpPr>
+            <a:spLocks noGrp="1"/>
+          </p:cNvSpPr>
+          <p:nvPr>
+            <p:ph idx="1"/>
+          </p:nvPr>
+        </p:nvSpPr>
+        <p:spPr/>
+        <p:txBody>
+          <a:bodyPr/>
+          <a:lstStyle/>
+          <a:p>
+            <a:r>
+              <a:rPr lang="pt-BR" dirty="0" smtClean="0"/>
+              <a:t>Calculate simple interest (I)</a:t>
+            </a:r>
+          </a:p>
+          <a:p>
+            <a:pPr lvl="1"/>
+            <a:r>
+              <a:rPr lang="pt-BR" dirty="0" smtClean="0"/>
+              <a:t>We need to input</a:t>
+            </a:r>
+          </a:p>
+          <a:p>
+            <a:pPr lvl="2"/>
+            <a:r>
+              <a:rPr lang="pt-BR" dirty="0" smtClean="0"/>
+              <a:t>Principal amount (p), rate of interest (r) and time in years (t)</a:t>
+            </a:r>
+          </a:p>
+          <a:p>
+            <a:pPr lvl="2"/>
+            <a:r>
+              <a:rPr lang="pt-BR" dirty="0" smtClean="0"/>
+              <a:t> </a:t>
+            </a:r>
+            <a:endParaRPr lang="en-US" dirty="0"/>
+          </a:p>
+        </p:txBody>
+      </p:sp>
+      <p:sp>
+        <p:nvSpPr>
+          <p:cNvPr id="1028" name="Rectangle 4"/>
+          <p:cNvSpPr>
+            <a:spLocks noChangeArrowheads="1"/>
+          </p:cNvSpPr>
+          <p:nvPr/>
+        </p:nvSpPr>
+        <p:spPr bwMode="auto">
+          <a:xfrm>
+            <a:off x="0" y="0"/>
+            <a:ext cx="9144000" cy="0"/>
+          </a:xfrm>
+          <a:prstGeom prst="rect">
+            <a:avLst/>
+          </a:prstGeom>
+          <a:noFill/>
+          <a:ln w="9525">
+            <a:noFill/>
+            <a:miter lim="800000"/>
+            <a:headEnd/>
+            <a:tailEnd/>
+          </a:ln>
+          <a:effectLst/>
+        </p:spPr>
+        <p:txBody>
+          <a:bodyPr vert="horz" wrap="none" lIns="91440" tIns="45720" rIns="91440" bIns="45720" numCol="1" anchor="ctr" anchorCtr="0" compatLnSpc="1">
+            <a:prstTxWarp prst="textNoShape">
+              <a:avLst/>
+            </a:prstTxWarp>
+            <a:spAutoFit/>
+          </a:bodyPr>
+          <a:lstStyle/>
+          <a:p>
+            <a:endParaRPr lang="en-US"/>
+          </a:p>
+        </p:txBody>
+      </p:sp>
+      <p:pic>
+        <p:nvPicPr>
+          <p:cNvPr id="1027" name="Picture 3"/>
+          <p:cNvPicPr>
+            <a:picLocks noChangeAspect="1" noChangeArrowheads="1"/>
+          </p:cNvPicPr>
+          <p:nvPr/>
+        </p:nvPicPr>
+        <p:blipFill>
+          <a:blip r:embed="rId2" cstate="print">
+            <a:clrChange>
+              <a:clrFrom>
+                <a:srgbClr val="FFFFFF"/>
+              </a:clrFrom>
+              <a:clrTo>
+                <a:srgbClr val="FFFFFF">
+                  <a:alpha val="0"/>
+                </a:srgbClr>
+              </a:clrTo>
+            </a:clrChange>
+          </a:blip>
+          <a:srcRect/>
+          <a:stretch>
+            <a:fillRect/>
+          </a:stretch>
+        </p:blipFill>
+        <p:spPr bwMode="auto">
+          <a:xfrm>
+            <a:off x="1674055" y="2595489"/>
+            <a:ext cx="1876425" cy="828675"/>
+          </a:xfrm>
+          <a:prstGeom prst="rect">
+            <a:avLst/>
+          </a:prstGeom>
+          <a:noFill/>
+        </p:spPr>
+      </p:pic>
+      <p:sp>
+        <p:nvSpPr>
+          <p:cNvPr id="7" name="Oval 6"/>
+          <p:cNvSpPr/>
+          <p:nvPr/>
+        </p:nvSpPr>
+        <p:spPr>
+          <a:xfrm>
+            <a:off x="2173459" y="2475914"/>
+            <a:ext cx="1420837" cy="506437"/>
+          </a:xfrm>
+          <a:prstGeom prst="ellipse">
+            <a:avLst/>
+          </a:prstGeom>
+          <a:noFill/>
+          <a:ln>
+            <a:solidFill>
+              <a:srgbClr val="FF0000"/>
+            </a:solidFill>
+          </a:ln>
+        </p:spPr>
+        <p:style>
+          <a:lnRef idx="2">
+            <a:schemeClr val="accent1">
+              <a:shade val="50000"/>
+            </a:schemeClr>
+          </a:lnRef>
+          <a:fillRef idx="1">
+            <a:schemeClr val="accent1"/>
+          </a:fillRef>
+          <a:effectRef idx="0">
+            <a:schemeClr val="accent1"/>
+          </a:effectRef>
+          <a:fontRef idx="minor">
+            <a:schemeClr val="lt1"/>
+          </a:fontRef>
+        </p:style>
+        <p:txBody>
+          <a:bodyPr rtlCol="0" anchor="ctr"/>
+          <a:lstStyle/>
+          <a:p>
+            <a:pPr algn="ctr"/>
+            <a:endParaRPr lang="en-US"/>
+          </a:p>
+        </p:txBody>
+      </p:sp>
+      <p:cxnSp>
+        <p:nvCxnSpPr>
+          <p:cNvPr id="10" name="Straight Arrow Connector 9"/>
+          <p:cNvCxnSpPr>
+            <a:stCxn id="12" idx="1"/>
+            <a:endCxn id="7" idx="6"/>
+          </p:cNvCxnSpPr>
+          <p:nvPr/>
+        </p:nvCxnSpPr>
+        <p:spPr>
+          <a:xfrm flipH="1" flipV="1">
+            <a:off x="3594296" y="2729133"/>
+            <a:ext cx="759655" cy="36955"/>
+          </a:xfrm>
+          <a:prstGeom prst="straightConnector1">
+            <a:avLst/>
+          </a:prstGeom>
+          <a:ln w="19050">
+            <a:tailEnd type="arrow"/>
+          </a:ln>
+        </p:spPr>
+        <p:style>
+          <a:lnRef idx="1">
+            <a:schemeClr val="accent6"/>
+          </a:lnRef>
+          <a:fillRef idx="0">
+            <a:schemeClr val="accent6"/>
+          </a:fillRef>
+          <a:effectRef idx="0">
+            <a:schemeClr val="accent6"/>
+          </a:effectRef>
+          <a:fontRef idx="minor">
+            <a:schemeClr val="tx1"/>
+          </a:fontRef>
+        </p:style>
+      </p:cxnSp>
+      <p:sp>
+        <p:nvSpPr>
+          <p:cNvPr id="12" name="TextBox 11"/>
+          <p:cNvSpPr txBox="1"/>
+          <p:nvPr/>
+        </p:nvSpPr>
+        <p:spPr>
+          <a:xfrm>
+            <a:off x="4353951" y="2581422"/>
+            <a:ext cx="1139484" cy="369332"/>
+          </a:xfrm>
+          <a:prstGeom prst="rect">
+            <a:avLst/>
+          </a:prstGeom>
+          <a:noFill/>
+        </p:spPr>
+        <p:txBody>
+          <a:bodyPr wrap="square" rtlCol="0">
+            <a:spAutoFit/>
+          </a:bodyPr>
+          <a:lstStyle/>
+          <a:p>
+            <a:r>
+              <a:rPr lang="pt-BR" dirty="0" smtClean="0"/>
+              <a:t>variables</a:t>
+            </a:r>
+            <a:endParaRPr lang="en-US" dirty="0"/>
+          </a:p>
+        </p:txBody>
+      </p:sp>
+      <p:cxnSp>
+        <p:nvCxnSpPr>
+          <p:cNvPr id="14" name="Straight Arrow Connector 13"/>
+          <p:cNvCxnSpPr>
+            <a:stCxn id="15" idx="1"/>
+          </p:cNvCxnSpPr>
+          <p:nvPr/>
+        </p:nvCxnSpPr>
+        <p:spPr>
+          <a:xfrm flipH="1" flipV="1">
+            <a:off x="3359835" y="3240259"/>
+            <a:ext cx="759655" cy="36955"/>
+          </a:xfrm>
+          <a:prstGeom prst="straightConnector1">
+            <a:avLst/>
+          </a:prstGeom>
+          <a:ln w="19050">
+            <a:tailEnd type="arrow"/>
+          </a:ln>
+        </p:spPr>
+        <p:style>
+          <a:lnRef idx="1">
+            <a:schemeClr val="accent6"/>
+          </a:lnRef>
+          <a:fillRef idx="0">
+            <a:schemeClr val="accent6"/>
+          </a:fillRef>
+          <a:effectRef idx="0">
+            <a:schemeClr val="accent6"/>
+          </a:effectRef>
+          <a:fontRef idx="minor">
+            <a:schemeClr val="tx1"/>
+          </a:fontRef>
+        </p:style>
+      </p:cxnSp>
+      <p:sp>
+        <p:nvSpPr>
+          <p:cNvPr id="15" name="TextBox 14"/>
+          <p:cNvSpPr txBox="1"/>
+          <p:nvPr/>
+        </p:nvSpPr>
+        <p:spPr>
+          <a:xfrm>
+            <a:off x="4119490" y="3092548"/>
+            <a:ext cx="1139484" cy="369332"/>
+          </a:xfrm>
+          <a:prstGeom prst="rect">
+            <a:avLst/>
+          </a:prstGeom>
+          <a:noFill/>
+        </p:spPr>
+        <p:txBody>
+          <a:bodyPr wrap="square" rtlCol="0">
+            <a:spAutoFit/>
+          </a:bodyPr>
+          <a:lstStyle/>
+          <a:p>
+            <a:r>
+              <a:rPr lang="pt-BR" dirty="0" smtClean="0"/>
+              <a:t>constant</a:t>
+            </a:r>
+            <a:endParaRPr lang="en-US" dirty="0"/>
+          </a:p>
+        </p:txBody>
+      </p:sp>
+    </p:spTree>
+  </p:cSld>
+  <p:clrMapOvr>
+    <a:masterClrMapping/>
+  </p:clrMapOvr>
+</p:sld>
+</file>
+
+<file path=ppt/slides/slide5.xml><?xml version="1.0" encoding="utf-8"?>
+<p:sld xmlns:a="http://schemas.openxmlformats.org/drawingml/2006/main" xmlns:r="http://schemas.openxmlformats.org/officeDocument/2006/relationships" xmlns:p="http://schemas.openxmlformats.org/presentationml/2006/main">
+  <p:cSld>
+    <p:spTree>
+      <p:nvGrpSpPr>
+        <p:cNvPr id="1" name=""/>
+        <p:cNvGrpSpPr/>
+        <p:nvPr/>
+      </p:nvGrpSpPr>
+      <p:grpSpPr>
+        <a:xfrm>
+          <a:off x="0" y="0"/>
+          <a:ext cx="0" cy="0"/>
+          <a:chOff x="0" y="0"/>
+          <a:chExt cx="0" cy="0"/>
+        </a:xfrm>
+      </p:grpSpPr>
+      <p:sp>
+        <p:nvSpPr>
+          <p:cNvPr id="2" name="Title 1"/>
+          <p:cNvSpPr>
+            <a:spLocks noGrp="1"/>
+          </p:cNvSpPr>
+          <p:nvPr>
+            <p:ph type="title"/>
+          </p:nvPr>
+        </p:nvSpPr>
+        <p:spPr/>
+        <p:txBody>
+          <a:bodyPr/>
+          <a:lstStyle/>
+          <a:p>
+            <a:r>
+              <a:rPr lang="pt-BR" dirty="0" smtClean="0"/>
+              <a:t>Constants and variables</a:t>
+            </a:r>
+            <a:endParaRPr lang="en-US" dirty="0"/>
+          </a:p>
+        </p:txBody>
+      </p:sp>
+      <p:sp>
+        <p:nvSpPr>
+          <p:cNvPr id="3" name="Content Placeholder 2"/>
+          <p:cNvSpPr>
+            <a:spLocks noGrp="1"/>
+          </p:cNvSpPr>
+          <p:nvPr>
+            <p:ph idx="1"/>
+          </p:nvPr>
+        </p:nvSpPr>
+        <p:spPr>
+          <a:xfrm>
+            <a:off x="457200" y="1200149"/>
+            <a:ext cx="8229600" cy="3779814"/>
+          </a:xfrm>
+        </p:spPr>
+        <p:txBody>
+          <a:bodyPr>
+            <a:normAutofit lnSpcReduction="10000"/>
+          </a:bodyPr>
+          <a:lstStyle/>
+          <a:p>
+            <a:r>
+              <a:rPr lang="pt-BR" dirty="0" smtClean="0"/>
+              <a:t>Calculate simple interest (I)</a:t>
+            </a:r>
+          </a:p>
+          <a:p>
+            <a:pPr lvl="1"/>
+            <a:r>
+              <a:rPr lang="pt-BR" dirty="0" smtClean="0"/>
+              <a:t>We need to input</a:t>
+            </a:r>
+          </a:p>
+          <a:p>
+            <a:pPr lvl="2"/>
+            <a:r>
+              <a:rPr lang="pt-BR" dirty="0" smtClean="0"/>
+              <a:t>Principal amount (p), rate of interest (r) and time in years (t)</a:t>
+            </a:r>
+          </a:p>
+          <a:p>
+            <a:endParaRPr lang="pt-BR" dirty="0" smtClean="0"/>
+          </a:p>
+          <a:p>
+            <a:endParaRPr lang="pt-BR" dirty="0" smtClean="0"/>
+          </a:p>
+          <a:p>
+            <a:endParaRPr lang="pt-BR" dirty="0" smtClean="0"/>
+          </a:p>
+          <a:p>
+            <a:r>
+              <a:rPr lang="pt-BR" dirty="0" smtClean="0"/>
+              <a:t>Variables </a:t>
+            </a:r>
+            <a:r>
+              <a:rPr lang="pt-BR" dirty="0" smtClean="0"/>
+              <a:t>are used to store </a:t>
+            </a:r>
+            <a:r>
+              <a:rPr lang="pt-BR" b="1" dirty="0" smtClean="0"/>
+              <a:t>data </a:t>
+            </a:r>
+            <a:endParaRPr lang="pt-BR" b="1" dirty="0" smtClean="0"/>
+          </a:p>
+          <a:p>
+            <a:r>
+              <a:rPr lang="pt-BR" dirty="0" smtClean="0"/>
+              <a:t>Contanst values can not be changed </a:t>
+            </a:r>
+          </a:p>
+          <a:p>
+            <a:r>
+              <a:rPr lang="pt-BR" strike="sngStrike" dirty="0" smtClean="0"/>
+              <a:t>Literals </a:t>
+            </a:r>
+            <a:endParaRPr lang="en-US" strike="sngStrike" dirty="0"/>
+          </a:p>
+        </p:txBody>
+      </p:sp>
+      <p:sp>
+        <p:nvSpPr>
+          <p:cNvPr id="1028" name="Rectangle 4"/>
+          <p:cNvSpPr>
+            <a:spLocks noChangeArrowheads="1"/>
+          </p:cNvSpPr>
+          <p:nvPr/>
+        </p:nvSpPr>
+        <p:spPr bwMode="auto">
+          <a:xfrm>
+            <a:off x="0" y="0"/>
+            <a:ext cx="9144000" cy="0"/>
+          </a:xfrm>
+          <a:prstGeom prst="rect">
+            <a:avLst/>
+          </a:prstGeom>
+          <a:noFill/>
+          <a:ln w="9525">
+            <a:noFill/>
+            <a:miter lim="800000"/>
+            <a:headEnd/>
+            <a:tailEnd/>
+          </a:ln>
+          <a:effectLst/>
+        </p:spPr>
+        <p:txBody>
+          <a:bodyPr vert="horz" wrap="none" lIns="91440" tIns="45720" rIns="91440" bIns="45720" numCol="1" anchor="ctr" anchorCtr="0" compatLnSpc="1">
+            <a:prstTxWarp prst="textNoShape">
+              <a:avLst/>
+            </a:prstTxWarp>
+            <a:spAutoFit/>
+          </a:bodyPr>
+          <a:lstStyle/>
+          <a:p>
+            <a:endParaRPr lang="en-US"/>
+          </a:p>
+        </p:txBody>
+      </p:sp>
+      <p:pic>
+        <p:nvPicPr>
+          <p:cNvPr id="1027" name="Picture 3"/>
+          <p:cNvPicPr>
+            <a:picLocks noChangeAspect="1" noChangeArrowheads="1"/>
+          </p:cNvPicPr>
+          <p:nvPr/>
+        </p:nvPicPr>
+        <p:blipFill>
+          <a:blip r:embed="rId2" cstate="print">
+            <a:clrChange>
+              <a:clrFrom>
+                <a:srgbClr val="FFFFFF"/>
+              </a:clrFrom>
+              <a:clrTo>
+                <a:srgbClr val="FFFFFF">
+                  <a:alpha val="0"/>
+                </a:srgbClr>
+              </a:clrTo>
+            </a:clrChange>
+          </a:blip>
+          <a:srcRect/>
+          <a:stretch>
+            <a:fillRect/>
+          </a:stretch>
+        </p:blipFill>
+        <p:spPr bwMode="auto">
+          <a:xfrm>
+            <a:off x="1674055" y="2595489"/>
+            <a:ext cx="1876425" cy="828675"/>
+          </a:xfrm>
+          <a:prstGeom prst="rect">
+            <a:avLst/>
+          </a:prstGeom>
+          <a:noFill/>
+        </p:spPr>
+      </p:pic>
+      <p:sp>
+        <p:nvSpPr>
+          <p:cNvPr id="7" name="Oval 6"/>
+          <p:cNvSpPr/>
+          <p:nvPr/>
+        </p:nvSpPr>
+        <p:spPr>
+          <a:xfrm>
+            <a:off x="2173459" y="2475914"/>
+            <a:ext cx="1420837" cy="506437"/>
+          </a:xfrm>
+          <a:prstGeom prst="ellipse">
+            <a:avLst/>
+          </a:prstGeom>
+          <a:noFill/>
+          <a:ln>
+            <a:solidFill>
+              <a:srgbClr val="FF0000"/>
+            </a:solidFill>
+          </a:ln>
+        </p:spPr>
+        <p:style>
+          <a:lnRef idx="2">
+            <a:schemeClr val="accent1">
+              <a:shade val="50000"/>
+            </a:schemeClr>
+          </a:lnRef>
+          <a:fillRef idx="1">
+            <a:schemeClr val="accent1"/>
+          </a:fillRef>
+          <a:effectRef idx="0">
+            <a:schemeClr val="accent1"/>
+          </a:effectRef>
+          <a:fontRef idx="minor">
+            <a:schemeClr val="lt1"/>
+          </a:fontRef>
+        </p:style>
+        <p:txBody>
+          <a:bodyPr rtlCol="0" anchor="ctr"/>
+          <a:lstStyle/>
+          <a:p>
+            <a:pPr algn="ctr"/>
+            <a:endParaRPr lang="en-US"/>
+          </a:p>
+        </p:txBody>
+      </p:sp>
+      <p:cxnSp>
+        <p:nvCxnSpPr>
+          <p:cNvPr id="10" name="Straight Arrow Connector 9"/>
+          <p:cNvCxnSpPr>
+            <a:stCxn id="12" idx="1"/>
+            <a:endCxn id="7" idx="6"/>
+          </p:cNvCxnSpPr>
+          <p:nvPr/>
+        </p:nvCxnSpPr>
+        <p:spPr>
+          <a:xfrm flipH="1" flipV="1">
+            <a:off x="3594296" y="2729133"/>
+            <a:ext cx="759655" cy="36955"/>
+          </a:xfrm>
+          <a:prstGeom prst="straightConnector1">
+            <a:avLst/>
+          </a:prstGeom>
+          <a:ln w="19050">
+            <a:tailEnd type="arrow"/>
+          </a:ln>
+        </p:spPr>
+        <p:style>
+          <a:lnRef idx="1">
+            <a:schemeClr val="accent6"/>
+          </a:lnRef>
+          <a:fillRef idx="0">
+            <a:schemeClr val="accent6"/>
+          </a:fillRef>
+          <a:effectRef idx="0">
+            <a:schemeClr val="accent6"/>
+          </a:effectRef>
+          <a:fontRef idx="minor">
+            <a:schemeClr val="tx1"/>
+          </a:fontRef>
+        </p:style>
+      </p:cxnSp>
+      <p:sp>
+        <p:nvSpPr>
+          <p:cNvPr id="12" name="TextBox 11"/>
+          <p:cNvSpPr txBox="1"/>
+          <p:nvPr/>
+        </p:nvSpPr>
+        <p:spPr>
+          <a:xfrm>
+            <a:off x="4353951" y="2581422"/>
+            <a:ext cx="1139484" cy="369332"/>
+          </a:xfrm>
+          <a:prstGeom prst="rect">
+            <a:avLst/>
+          </a:prstGeom>
+          <a:noFill/>
+        </p:spPr>
+        <p:txBody>
+          <a:bodyPr wrap="square" rtlCol="0">
+            <a:spAutoFit/>
+          </a:bodyPr>
+          <a:lstStyle/>
+          <a:p>
+            <a:r>
+              <a:rPr lang="pt-BR" dirty="0" smtClean="0"/>
+              <a:t>variables</a:t>
+            </a:r>
+            <a:endParaRPr lang="en-US" dirty="0"/>
+          </a:p>
+        </p:txBody>
+      </p:sp>
+      <p:cxnSp>
+        <p:nvCxnSpPr>
+          <p:cNvPr id="14" name="Straight Arrow Connector 13"/>
+          <p:cNvCxnSpPr>
+            <a:stCxn id="15" idx="1"/>
+          </p:cNvCxnSpPr>
+          <p:nvPr/>
+        </p:nvCxnSpPr>
+        <p:spPr>
+          <a:xfrm flipH="1" flipV="1">
+            <a:off x="3359835" y="3240259"/>
+            <a:ext cx="759655" cy="36955"/>
+          </a:xfrm>
+          <a:prstGeom prst="straightConnector1">
+            <a:avLst/>
+          </a:prstGeom>
+          <a:ln w="19050">
+            <a:tailEnd type="arrow"/>
+          </a:ln>
+        </p:spPr>
+        <p:style>
+          <a:lnRef idx="1">
+            <a:schemeClr val="accent6"/>
+          </a:lnRef>
+          <a:fillRef idx="0">
+            <a:schemeClr val="accent6"/>
+          </a:fillRef>
+          <a:effectRef idx="0">
+            <a:schemeClr val="accent6"/>
+          </a:effectRef>
+          <a:fontRef idx="minor">
+            <a:schemeClr val="tx1"/>
+          </a:fontRef>
+        </p:style>
+      </p:cxnSp>
+      <p:sp>
+        <p:nvSpPr>
+          <p:cNvPr id="15" name="TextBox 14"/>
+          <p:cNvSpPr txBox="1"/>
+          <p:nvPr/>
+        </p:nvSpPr>
+        <p:spPr>
+          <a:xfrm>
+            <a:off x="4119490" y="3092548"/>
+            <a:ext cx="1139484" cy="369332"/>
+          </a:xfrm>
+          <a:prstGeom prst="rect">
+            <a:avLst/>
+          </a:prstGeom>
+          <a:noFill/>
+        </p:spPr>
+        <p:txBody>
+          <a:bodyPr wrap="square" rtlCol="0">
+            <a:spAutoFit/>
+          </a:bodyPr>
+          <a:lstStyle/>
+          <a:p>
+            <a:r>
+              <a:rPr lang="pt-BR" dirty="0" smtClean="0"/>
+              <a:t>constant</a:t>
+            </a:r>
+            <a:endParaRPr lang="en-US" dirty="0"/>
+          </a:p>
+        </p:txBody>
+      </p:sp>
+      <p:sp>
+        <p:nvSpPr>
+          <p:cNvPr id="16" name="Rectangle 15"/>
+          <p:cNvSpPr/>
+          <p:nvPr/>
+        </p:nvSpPr>
+        <p:spPr>
+          <a:xfrm>
+            <a:off x="6815797" y="2700997"/>
+            <a:ext cx="1702191" cy="2293034"/>
+          </a:xfrm>
+          <a:prstGeom prst="rect">
+            <a:avLst/>
+          </a:prstGeom>
+          <a:solidFill>
+            <a:schemeClr val="bg1">
+              <a:lumMod val="75000"/>
+            </a:schemeClr>
+          </a:solidFill>
+          <a:ln w="3175"/>
+        </p:spPr>
+        <p:style>
+          <a:lnRef idx="2">
+            <a:schemeClr val="accent1">
+              <a:shade val="50000"/>
+            </a:schemeClr>
+          </a:lnRef>
+          <a:fillRef idx="1">
+            <a:schemeClr val="accent1"/>
+          </a:fillRef>
+          <a:effectRef idx="0">
+            <a:schemeClr val="accent1"/>
+          </a:effectRef>
+          <a:fontRef idx="minor">
+            <a:schemeClr val="lt1"/>
+          </a:fontRef>
+        </p:style>
+        <p:txBody>
+          <a:bodyPr rtlCol="0" anchor="ctr"/>
+          <a:lstStyle/>
+          <a:p>
+            <a:pPr algn="ctr"/>
+            <a:endParaRPr lang="en-US"/>
+          </a:p>
+        </p:txBody>
+      </p:sp>
+      <p:sp>
+        <p:nvSpPr>
+          <p:cNvPr id="17" name="Rectangle 16"/>
+          <p:cNvSpPr/>
+          <p:nvPr/>
+        </p:nvSpPr>
+        <p:spPr>
+          <a:xfrm>
+            <a:off x="6947095" y="2792437"/>
+            <a:ext cx="203982" cy="196948"/>
+          </a:xfrm>
+          <a:prstGeom prst="rect">
+            <a:avLst/>
+          </a:prstGeom>
+        </p:spPr>
+        <p:style>
+          <a:lnRef idx="1">
+            <a:schemeClr val="accent6"/>
+          </a:lnRef>
+          <a:fillRef idx="3">
+            <a:schemeClr val="accent6"/>
+          </a:fillRef>
+          <a:effectRef idx="2">
+            <a:schemeClr val="accent6"/>
+          </a:effectRef>
+          <a:fontRef idx="minor">
+            <a:schemeClr val="lt1"/>
+          </a:fontRef>
+        </p:style>
+        <p:txBody>
+          <a:bodyPr rtlCol="0" anchor="ctr"/>
+          <a:lstStyle/>
+          <a:p>
+            <a:pPr algn="ctr"/>
+            <a:r>
+              <a:rPr lang="pt-BR" dirty="0" smtClean="0"/>
+              <a:t>p</a:t>
+            </a:r>
+            <a:endParaRPr lang="en-US" dirty="0"/>
+          </a:p>
+        </p:txBody>
+      </p:sp>
+      <p:sp>
+        <p:nvSpPr>
+          <p:cNvPr id="18" name="Rectangle 17"/>
+          <p:cNvSpPr/>
+          <p:nvPr/>
+        </p:nvSpPr>
+        <p:spPr>
+          <a:xfrm>
+            <a:off x="6947095" y="3085514"/>
+            <a:ext cx="203982" cy="196948"/>
+          </a:xfrm>
+          <a:prstGeom prst="rect">
+            <a:avLst/>
+          </a:prstGeom>
+        </p:spPr>
+        <p:style>
+          <a:lnRef idx="1">
+            <a:schemeClr val="accent6"/>
+          </a:lnRef>
+          <a:fillRef idx="3">
+            <a:schemeClr val="accent6"/>
+          </a:fillRef>
+          <a:effectRef idx="2">
+            <a:schemeClr val="accent6"/>
+          </a:effectRef>
+          <a:fontRef idx="minor">
+            <a:schemeClr val="lt1"/>
+          </a:fontRef>
+        </p:style>
+        <p:txBody>
+          <a:bodyPr rtlCol="0" anchor="ctr"/>
+          <a:lstStyle/>
+          <a:p>
+            <a:pPr algn="ctr"/>
+            <a:r>
+              <a:rPr lang="pt-BR" dirty="0" smtClean="0"/>
+              <a:t>r</a:t>
+            </a:r>
+            <a:endParaRPr lang="en-US" dirty="0"/>
+          </a:p>
+        </p:txBody>
+      </p:sp>
+      <p:sp>
+        <p:nvSpPr>
+          <p:cNvPr id="19" name="Rectangle 18"/>
+          <p:cNvSpPr/>
+          <p:nvPr/>
+        </p:nvSpPr>
+        <p:spPr>
+          <a:xfrm>
+            <a:off x="6947095" y="3399693"/>
+            <a:ext cx="203982" cy="196948"/>
+          </a:xfrm>
+          <a:prstGeom prst="rect">
+            <a:avLst/>
+          </a:prstGeom>
+        </p:spPr>
+        <p:style>
+          <a:lnRef idx="1">
+            <a:schemeClr val="accent6"/>
+          </a:lnRef>
+          <a:fillRef idx="3">
+            <a:schemeClr val="accent6"/>
+          </a:fillRef>
+          <a:effectRef idx="2">
+            <a:schemeClr val="accent6"/>
+          </a:effectRef>
+          <a:fontRef idx="minor">
+            <a:schemeClr val="lt1"/>
+          </a:fontRef>
+        </p:style>
+        <p:txBody>
+          <a:bodyPr rtlCol="0" anchor="ctr"/>
+          <a:lstStyle/>
+          <a:p>
+            <a:pPr algn="ctr"/>
+            <a:r>
+              <a:rPr lang="pt-BR" dirty="0" smtClean="0"/>
+              <a:t>t</a:t>
+            </a:r>
+            <a:endParaRPr lang="en-US" dirty="0"/>
+          </a:p>
+        </p:txBody>
+      </p:sp>
+      <p:sp>
+        <p:nvSpPr>
+          <p:cNvPr id="20" name="Rectangle 19"/>
+          <p:cNvSpPr/>
+          <p:nvPr/>
+        </p:nvSpPr>
+        <p:spPr>
+          <a:xfrm>
+            <a:off x="6947095" y="3734973"/>
+            <a:ext cx="203982" cy="196948"/>
+          </a:xfrm>
+          <a:prstGeom prst="rect">
+            <a:avLst/>
+          </a:prstGeom>
+        </p:spPr>
+        <p:style>
+          <a:lnRef idx="1">
+            <a:schemeClr val="accent6"/>
+          </a:lnRef>
+          <a:fillRef idx="3">
+            <a:schemeClr val="accent6"/>
+          </a:fillRef>
+          <a:effectRef idx="2">
+            <a:schemeClr val="accent6"/>
+          </a:effectRef>
+          <a:fontRef idx="minor">
+            <a:schemeClr val="lt1"/>
+          </a:fontRef>
+        </p:style>
+        <p:txBody>
+          <a:bodyPr rtlCol="0" anchor="ctr"/>
+          <a:lstStyle/>
+          <a:p>
+            <a:pPr algn="ctr"/>
+            <a:r>
+              <a:rPr lang="pt-BR" dirty="0" smtClean="0"/>
+              <a:t>I</a:t>
+            </a:r>
+            <a:endParaRPr lang="en-US" dirty="0"/>
+          </a:p>
+        </p:txBody>
+      </p:sp>
+      <p:sp>
+        <p:nvSpPr>
+          <p:cNvPr id="21" name="TextBox 20"/>
+          <p:cNvSpPr txBox="1"/>
+          <p:nvPr/>
+        </p:nvSpPr>
+        <p:spPr>
+          <a:xfrm>
+            <a:off x="6801731" y="2377440"/>
+            <a:ext cx="1955409" cy="369332"/>
+          </a:xfrm>
+          <a:prstGeom prst="rect">
+            <a:avLst/>
+          </a:prstGeom>
+          <a:noFill/>
+        </p:spPr>
+        <p:txBody>
+          <a:bodyPr wrap="square" rtlCol="0">
+            <a:spAutoFit/>
+          </a:bodyPr>
+          <a:lstStyle/>
+          <a:p>
+            <a:r>
+              <a:rPr lang="pt-BR" dirty="0" smtClean="0"/>
+              <a:t>Memory (RAM)</a:t>
+            </a:r>
+            <a:endParaRPr lang="en-US" dirty="0"/>
+          </a:p>
+        </p:txBody>
+      </p:sp>
+      <p:cxnSp>
+        <p:nvCxnSpPr>
+          <p:cNvPr id="22" name="Straight Arrow Connector 21"/>
+          <p:cNvCxnSpPr>
+            <a:stCxn id="12" idx="3"/>
+            <a:endCxn id="17" idx="1"/>
+          </p:cNvCxnSpPr>
+          <p:nvPr/>
+        </p:nvCxnSpPr>
+        <p:spPr>
+          <a:xfrm>
+            <a:off x="5493435" y="2766088"/>
+            <a:ext cx="1453660" cy="124823"/>
+          </a:xfrm>
+          <a:prstGeom prst="straightConnector1">
+            <a:avLst/>
+          </a:prstGeom>
+          <a:ln w="19050">
+            <a:tailEnd type="arrow"/>
+          </a:ln>
+        </p:spPr>
+        <p:style>
+          <a:lnRef idx="1">
+            <a:schemeClr val="accent6"/>
+          </a:lnRef>
+          <a:fillRef idx="0">
+            <a:schemeClr val="accent6"/>
+          </a:fillRef>
+          <a:effectRef idx="0">
+            <a:schemeClr val="accent6"/>
+          </a:effectRef>
+          <a:fontRef idx="minor">
+            <a:schemeClr val="tx1"/>
+          </a:fontRef>
+        </p:style>
+      </p:cxnSp>
+      <p:cxnSp>
+        <p:nvCxnSpPr>
+          <p:cNvPr id="25" name="Straight Arrow Connector 24"/>
+          <p:cNvCxnSpPr>
+            <a:stCxn id="12" idx="3"/>
+            <a:endCxn id="18" idx="1"/>
+          </p:cNvCxnSpPr>
+          <p:nvPr/>
+        </p:nvCxnSpPr>
+        <p:spPr>
+          <a:xfrm>
+            <a:off x="5493435" y="2766088"/>
+            <a:ext cx="1453660" cy="417900"/>
+          </a:xfrm>
+          <a:prstGeom prst="straightConnector1">
+            <a:avLst/>
+          </a:prstGeom>
+          <a:ln w="19050">
+            <a:tailEnd type="arrow"/>
+          </a:ln>
+        </p:spPr>
+        <p:style>
+          <a:lnRef idx="1">
+            <a:schemeClr val="accent6"/>
+          </a:lnRef>
+          <a:fillRef idx="0">
+            <a:schemeClr val="accent6"/>
+          </a:fillRef>
+          <a:effectRef idx="0">
+            <a:schemeClr val="accent6"/>
+          </a:effectRef>
+          <a:fontRef idx="minor">
+            <a:schemeClr val="tx1"/>
+          </a:fontRef>
+        </p:style>
+      </p:cxnSp>
+      <p:cxnSp>
+        <p:nvCxnSpPr>
+          <p:cNvPr id="27" name="Straight Arrow Connector 26"/>
+          <p:cNvCxnSpPr>
+            <a:stCxn id="12" idx="3"/>
+            <a:endCxn id="19" idx="1"/>
+          </p:cNvCxnSpPr>
+          <p:nvPr/>
+        </p:nvCxnSpPr>
+        <p:spPr>
+          <a:xfrm>
+            <a:off x="5493435" y="2766088"/>
+            <a:ext cx="1453660" cy="732079"/>
+          </a:xfrm>
+          <a:prstGeom prst="straightConnector1">
+            <a:avLst/>
+          </a:prstGeom>
+          <a:ln w="19050">
+            <a:tailEnd type="arrow"/>
+          </a:ln>
+        </p:spPr>
+        <p:style>
+          <a:lnRef idx="1">
+            <a:schemeClr val="accent6"/>
+          </a:lnRef>
+          <a:fillRef idx="0">
+            <a:schemeClr val="accent6"/>
+          </a:fillRef>
+          <a:effectRef idx="0">
+            <a:schemeClr val="accent6"/>
+          </a:effectRef>
+          <a:fontRef idx="minor">
+            <a:schemeClr val="tx1"/>
+          </a:fontRef>
+        </p:style>
+      </p:cxnSp>
+      <p:cxnSp>
+        <p:nvCxnSpPr>
+          <p:cNvPr id="29" name="Straight Arrow Connector 28"/>
+          <p:cNvCxnSpPr>
+            <a:stCxn id="12" idx="3"/>
+            <a:endCxn id="20" idx="1"/>
+          </p:cNvCxnSpPr>
+          <p:nvPr/>
+        </p:nvCxnSpPr>
+        <p:spPr>
+          <a:xfrm>
+            <a:off x="5493435" y="2766088"/>
+            <a:ext cx="1453660" cy="1067359"/>
+          </a:xfrm>
+          <a:prstGeom prst="straightConnector1">
+            <a:avLst/>
+          </a:prstGeom>
+          <a:ln w="19050">
+            <a:tailEnd type="arrow"/>
+          </a:ln>
+        </p:spPr>
+        <p:style>
+          <a:lnRef idx="1">
+            <a:schemeClr val="accent6"/>
+          </a:lnRef>
+          <a:fillRef idx="0">
+            <a:schemeClr val="accent6"/>
+          </a:fillRef>
+          <a:effectRef idx="0">
+            <a:schemeClr val="accent6"/>
+          </a:effectRef>
+          <a:fontRef idx="minor">
+            <a:schemeClr val="tx1"/>
+          </a:fontRef>
+        </p:style>
+      </p:cxnSp>
+    </p:spTree>
+  </p:cSld>
+  <p:clrMapOvr>
+    <a:masterClrMapping/>
+  </p:clrMapOvr>
+</p:sld>
+</file>
+
+<file path=ppt/slides/slide6.xml><?xml version="1.0" encoding="utf-8"?>
+<p:sld xmlns:a="http://schemas.openxmlformats.org/drawingml/2006/main" xmlns:r="http://schemas.openxmlformats.org/officeDocument/2006/relationships" xmlns:p="http://schemas.openxmlformats.org/presentationml/2006/main">
+  <p:cSld>
+    <p:spTree>
+      <p:nvGrpSpPr>
+        <p:cNvPr id="1" name=""/>
+        <p:cNvGrpSpPr/>
+        <p:nvPr/>
+      </p:nvGrpSpPr>
+      <p:grpSpPr>
+        <a:xfrm>
+          <a:off x="0" y="0"/>
+          <a:ext cx="0" cy="0"/>
+          <a:chOff x="0" y="0"/>
+          <a:chExt cx="0" cy="0"/>
+        </a:xfrm>
+      </p:grpSpPr>
+      <p:sp>
+        <p:nvSpPr>
+          <p:cNvPr id="2" name="Title 1"/>
+          <p:cNvSpPr>
+            <a:spLocks noGrp="1"/>
+          </p:cNvSpPr>
+          <p:nvPr>
+            <p:ph type="title"/>
+          </p:nvPr>
+        </p:nvSpPr>
+        <p:spPr/>
+        <p:txBody>
+          <a:bodyPr/>
+          <a:lstStyle/>
+          <a:p>
+            <a:r>
+              <a:rPr lang="pt-BR" dirty="0" smtClean="0"/>
+              <a:t>Data types</a:t>
+            </a:r>
+            <a:endParaRPr lang="en-US" dirty="0"/>
+          </a:p>
+        </p:txBody>
+      </p:sp>
+      <p:sp>
+        <p:nvSpPr>
+          <p:cNvPr id="3" name="Content Placeholder 2"/>
+          <p:cNvSpPr>
+            <a:spLocks noGrp="1"/>
+          </p:cNvSpPr>
+          <p:nvPr>
+            <p:ph idx="1"/>
+          </p:nvPr>
+        </p:nvSpPr>
+        <p:spPr/>
+        <p:txBody>
+          <a:bodyPr/>
+          <a:lstStyle/>
+          <a:p>
+            <a:r>
+              <a:rPr lang="pt-BR" dirty="0" smtClean="0"/>
+              <a:t>Integers</a:t>
+            </a:r>
+          </a:p>
+          <a:p>
+            <a:pPr lvl="1"/>
+            <a:r>
+              <a:rPr lang="pt-BR" dirty="0" smtClean="0">
+                <a:solidFill>
+                  <a:srgbClr val="0070C0"/>
+                </a:solidFill>
+              </a:rPr>
+              <a:t>8	14	10000	200000</a:t>
+            </a:r>
+            <a:r>
+              <a:rPr lang="pt-BR" dirty="0" smtClean="0"/>
+              <a:t>	</a:t>
+            </a:r>
+          </a:p>
+          <a:p>
+            <a:r>
+              <a:rPr lang="pt-BR" dirty="0" smtClean="0"/>
+              <a:t>Floats</a:t>
+            </a:r>
+          </a:p>
+          <a:p>
+            <a:pPr lvl="1"/>
+            <a:r>
+              <a:rPr lang="pt-BR" dirty="0" smtClean="0">
+                <a:solidFill>
+                  <a:srgbClr val="0070C0"/>
+                </a:solidFill>
+              </a:rPr>
+              <a:t>0.001	0.2	23.45	1e-10</a:t>
+            </a:r>
+          </a:p>
+          <a:p>
+            <a:r>
+              <a:rPr lang="pt-BR" dirty="0" smtClean="0"/>
+              <a:t>String</a:t>
+            </a:r>
+          </a:p>
+          <a:p>
+            <a:pPr lvl="1"/>
+            <a:r>
+              <a:rPr lang="pt-BR" dirty="0" smtClean="0">
+                <a:solidFill>
+                  <a:srgbClr val="0070C0"/>
+                </a:solidFill>
+              </a:rPr>
+              <a:t>“John”	“Brazil”		“attgacagat”	‘mmklysvy’</a:t>
+            </a:r>
+          </a:p>
+          <a:p>
+            <a:r>
+              <a:rPr lang="pt-BR" dirty="0" smtClean="0"/>
+              <a:t>Boolean</a:t>
+            </a:r>
+          </a:p>
+          <a:p>
+            <a:pPr lvl="1"/>
+            <a:r>
+              <a:rPr lang="pt-BR" dirty="0" smtClean="0">
+                <a:solidFill>
+                  <a:srgbClr val="0070C0"/>
+                </a:solidFill>
+              </a:rPr>
+              <a:t>0		1 </a:t>
+            </a:r>
+            <a:r>
+              <a:rPr lang="pt-BR" dirty="0" smtClean="0"/>
+              <a:t>	</a:t>
+            </a:r>
+            <a:endParaRPr lang="en-US" dirty="0"/>
+          </a:p>
+        </p:txBody>
+      </p:sp>
+    </p:spTree>
+  </p:cSld>
+  <p:clrMapOvr>
+    <a:masterClrMapping/>
+  </p:clrMapOvr>
+</p:sld>
+</file>
+
+<file path=ppt/slides/slide7.xml><?xml version="1.0" encoding="utf-8"?>
+<p:sld xmlns:a="http://schemas.openxmlformats.org/drawingml/2006/main" xmlns:r="http://schemas.openxmlformats.org/officeDocument/2006/relationships" xmlns:p="http://schemas.openxmlformats.org/presentationml/2006/main">
+  <p:cSld>
+    <p:spTree>
+      <p:nvGrpSpPr>
+        <p:cNvPr id="1" name=""/>
+        <p:cNvGrpSpPr/>
+        <p:nvPr/>
+      </p:nvGrpSpPr>
+      <p:grpSpPr>
+        <a:xfrm>
+          <a:off x="0" y="0"/>
+          <a:ext cx="0" cy="0"/>
+          <a:chOff x="0" y="0"/>
+          <a:chExt cx="0" cy="0"/>
+        </a:xfrm>
+      </p:grpSpPr>
+      <p:sp>
+        <p:nvSpPr>
+          <p:cNvPr id="2" name="Title 1"/>
+          <p:cNvSpPr>
+            <a:spLocks noGrp="1"/>
+          </p:cNvSpPr>
+          <p:nvPr>
+            <p:ph type="title"/>
+          </p:nvPr>
+        </p:nvSpPr>
+        <p:spPr/>
+        <p:txBody>
+          <a:bodyPr/>
+          <a:lstStyle/>
+          <a:p>
+            <a:r>
+              <a:rPr lang="pt-BR" dirty="0" smtClean="0"/>
+              <a:t>Variables in </a:t>
+            </a:r>
+            <a:r>
+              <a:rPr lang="pt-BR" dirty="0" smtClean="0"/>
+              <a:t>Perl</a:t>
+            </a:r>
+            <a:endParaRPr lang="en-US" dirty="0"/>
+          </a:p>
+        </p:txBody>
+      </p:sp>
+      <p:sp>
+        <p:nvSpPr>
+          <p:cNvPr id="3" name="Content Placeholder 2"/>
+          <p:cNvSpPr>
+            <a:spLocks noGrp="1"/>
+          </p:cNvSpPr>
+          <p:nvPr>
+            <p:ph idx="1"/>
+          </p:nvPr>
+        </p:nvSpPr>
+        <p:spPr/>
+        <p:txBody>
+          <a:bodyPr>
+            <a:normAutofit lnSpcReduction="10000"/>
+          </a:bodyPr>
+          <a:lstStyle/>
+          <a:p>
+            <a:r>
+              <a:rPr lang="en-US" dirty="0" smtClean="0"/>
+              <a:t>Variable – a name for a block in computer memory </a:t>
+            </a:r>
+            <a:r>
+              <a:rPr lang="en-US" dirty="0" smtClean="0"/>
+              <a:t>holding some data</a:t>
+            </a:r>
+          </a:p>
+          <a:p>
+            <a:r>
+              <a:rPr lang="pt-BR" dirty="0" smtClean="0"/>
+              <a:t>Perl variables are </a:t>
+            </a:r>
+            <a:r>
+              <a:rPr lang="pt-BR" strike="sngStrike" dirty="0" smtClean="0"/>
+              <a:t>not data type specific</a:t>
+            </a:r>
+          </a:p>
+          <a:p>
+            <a:r>
+              <a:rPr lang="pt-BR" dirty="0" smtClean="0"/>
+              <a:t>No need to pre-declare variables</a:t>
+            </a:r>
+          </a:p>
+          <a:p>
+            <a:r>
+              <a:rPr lang="pt-BR" dirty="0" smtClean="0"/>
+              <a:t>All variables are in Global score (by default)</a:t>
+            </a:r>
+          </a:p>
+          <a:p>
+            <a:r>
+              <a:rPr lang="pt-BR" dirty="0" smtClean="0"/>
+              <a:t>Three types of variables</a:t>
+            </a:r>
+          </a:p>
+          <a:p>
+            <a:pPr lvl="1"/>
+            <a:r>
+              <a:rPr lang="pt-BR" dirty="0" smtClean="0"/>
+              <a:t>Scalar</a:t>
+            </a:r>
+          </a:p>
+          <a:p>
+            <a:pPr lvl="1"/>
+            <a:r>
+              <a:rPr lang="pt-BR" dirty="0" smtClean="0"/>
+              <a:t>Array </a:t>
+            </a:r>
+          </a:p>
+          <a:p>
+            <a:pPr lvl="1"/>
+            <a:r>
+              <a:rPr lang="pt-BR" dirty="0" smtClean="0"/>
+              <a:t>Hash</a:t>
+            </a:r>
+            <a:endParaRPr lang="en-US" dirty="0"/>
+          </a:p>
+        </p:txBody>
+      </p:sp>
+    </p:spTree>
+  </p:cSld>
+  <p:clrMapOvr>
+    <a:masterClrMapping/>
+  </p:clrMapOvr>
+</p:sld>
+</file>
+
+<file path=ppt/slides/slide8.xml><?xml version="1.0" encoding="utf-8"?>
+<p:sld xmlns:a="http://schemas.openxmlformats.org/drawingml/2006/main" xmlns:r="http://schemas.openxmlformats.org/officeDocument/2006/relationships" xmlns:p="http://schemas.openxmlformats.org/presentationml/2006/main">
+  <p:cSld>
+    <p:spTree>
+      <p:nvGrpSpPr>
+        <p:cNvPr id="1" name=""/>
+        <p:cNvGrpSpPr/>
+        <p:nvPr/>
+      </p:nvGrpSpPr>
+      <p:grpSpPr>
+        <a:xfrm>
+          <a:off x="0" y="0"/>
+          <a:ext cx="0" cy="0"/>
+          <a:chOff x="0" y="0"/>
+          <a:chExt cx="0" cy="0"/>
+        </a:xfrm>
+      </p:grpSpPr>
+      <p:sp>
+        <p:nvSpPr>
+          <p:cNvPr id="2" name="Title 1"/>
+          <p:cNvSpPr>
+            <a:spLocks noGrp="1"/>
+          </p:cNvSpPr>
+          <p:nvPr>
+            <p:ph type="title"/>
+          </p:nvPr>
+        </p:nvSpPr>
+        <p:spPr/>
+        <p:txBody>
+          <a:bodyPr/>
+          <a:lstStyle/>
+          <a:p>
+            <a:r>
+              <a:rPr lang="pt-BR" dirty="0" smtClean="0"/>
+              <a:t>Scalar variables</a:t>
+            </a:r>
+            <a:endParaRPr lang="en-US" dirty="0"/>
+          </a:p>
+        </p:txBody>
+      </p:sp>
+      <p:sp>
+        <p:nvSpPr>
+          <p:cNvPr id="3" name="Content Placeholder 2"/>
+          <p:cNvSpPr>
+            <a:spLocks noGrp="1"/>
+          </p:cNvSpPr>
+          <p:nvPr>
+            <p:ph idx="1"/>
+          </p:nvPr>
+        </p:nvSpPr>
+        <p:spPr/>
+        <p:txBody>
+          <a:bodyPr/>
+          <a:lstStyle/>
+          <a:p>
+            <a:r>
+              <a:rPr lang="pt-BR" dirty="0" smtClean="0"/>
+              <a:t>Can store only one element</a:t>
+            </a:r>
+          </a:p>
+          <a:p>
+            <a:r>
+              <a:rPr lang="pt-BR" dirty="0" smtClean="0"/>
+              <a:t>It is represented by a Dollar ($) symbol</a:t>
+            </a:r>
+          </a:p>
+          <a:p>
+            <a:pPr lvl="1"/>
+            <a:r>
+              <a:rPr lang="pt-BR" dirty="0" smtClean="0"/>
+              <a:t>$a</a:t>
+            </a:r>
+          </a:p>
+          <a:p>
+            <a:pPr lvl="1"/>
+            <a:r>
+              <a:rPr lang="pt-BR" dirty="0" smtClean="0"/>
+              <a:t>$student_name</a:t>
+            </a:r>
+          </a:p>
+          <a:p>
+            <a:pPr lvl="1"/>
+            <a:r>
+              <a:rPr lang="pt-BR" smtClean="0"/>
+              <a:t>$example_1</a:t>
+            </a:r>
+          </a:p>
+          <a:p>
+            <a:endParaRPr lang="en-US" dirty="0"/>
+          </a:p>
+        </p:txBody>
+      </p:sp>
+    </p:spTree>
+  </p:cSld>
+  <p:clrMapOvr>
+    <a:masterClrMapping/>
+  </p:clrMapOvr>
+</p:sld>
+</file>
+
+<file path=ppt/slides/slide9.xml><?xml version="1.0" encoding="utf-8"?>
 <p:sld xmlns:a="http://schemas.openxmlformats.org/drawingml/2006/main" xmlns:r="http://schemas.openxmlformats.org/officeDocument/2006/relationships" xmlns:p="http://schemas.openxmlformats.org/presentationml/2006/main">
   <p:cSld>
     <p:spTree>

--- a/PPTs/Variables and operators.pptx
+++ b/PPTs/Variables and operators.pptx
@@ -16,6 +16,15 @@
     <p:sldId id="264" r:id="rId10"/>
     <p:sldId id="265" r:id="rId11"/>
     <p:sldId id="266" r:id="rId12"/>
+    <p:sldId id="267" r:id="rId13"/>
+    <p:sldId id="268" r:id="rId14"/>
+    <p:sldId id="269" r:id="rId15"/>
+    <p:sldId id="270" r:id="rId16"/>
+    <p:sldId id="271" r:id="rId17"/>
+    <p:sldId id="272" r:id="rId18"/>
+    <p:sldId id="273" r:id="rId19"/>
+    <p:sldId id="274" r:id="rId20"/>
+    <p:sldId id="275" r:id="rId21"/>
   </p:sldIdLst>
   <p:sldSz cx="9144000" cy="5143500" type="screen16x9"/>
   <p:notesSz cx="6858000" cy="9144000"/>
@@ -3513,7 +3522,11 @@
           <a:bodyPr/>
           <a:lstStyle/>
           <a:p>
-            <a:endParaRPr lang="en-US"/>
+            <a:r>
+              <a:rPr lang="pt-BR" dirty="0" smtClean="0"/>
+              <a:t>Variable interpolation</a:t>
+            </a:r>
+            <a:endParaRPr lang="en-US" dirty="0"/>
           </a:p>
         </p:txBody>
       </p:sp>
@@ -3532,10 +3545,92 @@
           <a:bodyPr/>
           <a:lstStyle/>
           <a:p>
-            <a:endParaRPr lang="en-US"/>
-          </a:p>
-        </p:txBody>
-      </p:sp>
+            <a:r>
+              <a:rPr lang="pt-BR" dirty="0" smtClean="0"/>
+              <a:t>With in </a:t>
+            </a:r>
+            <a:r>
+              <a:rPr lang="pt-BR" b="1" dirty="0" smtClean="0"/>
+              <a:t>double quoted strings </a:t>
+            </a:r>
+            <a:r>
+              <a:rPr lang="pt-BR" dirty="0" smtClean="0"/>
+              <a:t>Perl substitutes a variable with its stored value.</a:t>
+            </a:r>
+          </a:p>
+          <a:p>
+            <a:r>
+              <a:rPr lang="pt-BR" dirty="0" smtClean="0"/>
+              <a:t>This is not allowed within single quoted strings.</a:t>
+            </a:r>
+            <a:endParaRPr lang="en-US" dirty="0"/>
+          </a:p>
+        </p:txBody>
+      </p:sp>
+      <p:pic>
+        <p:nvPicPr>
+          <p:cNvPr id="1026" name="Picture 2"/>
+          <p:cNvPicPr>
+            <a:picLocks noChangeAspect="1" noChangeArrowheads="1"/>
+          </p:cNvPicPr>
+          <p:nvPr/>
+        </p:nvPicPr>
+        <p:blipFill>
+          <a:blip r:embed="rId2" cstate="print"/>
+          <a:srcRect/>
+          <a:stretch>
+            <a:fillRect/>
+          </a:stretch>
+        </p:blipFill>
+        <p:spPr bwMode="auto">
+          <a:xfrm>
+            <a:off x="130316" y="2494599"/>
+            <a:ext cx="9013684" cy="1816761"/>
+          </a:xfrm>
+          <a:prstGeom prst="rect">
+            <a:avLst/>
+          </a:prstGeom>
+          <a:noFill/>
+          <a:ln w="9525">
+            <a:noFill/>
+            <a:miter lim="800000"/>
+            <a:headEnd/>
+            <a:tailEnd/>
+          </a:ln>
+        </p:spPr>
+      </p:pic>
+      <p:pic>
+        <p:nvPicPr>
+          <p:cNvPr id="1027" name="Picture 3"/>
+          <p:cNvPicPr>
+            <a:picLocks noChangeAspect="1" noChangeArrowheads="1"/>
+          </p:cNvPicPr>
+          <p:nvPr/>
+        </p:nvPicPr>
+        <p:blipFill>
+          <a:blip r:embed="rId3" cstate="print"/>
+          <a:srcRect t="86902" r="31230" b="5559"/>
+          <a:stretch>
+            <a:fillRect/>
+          </a:stretch>
+        </p:blipFill>
+        <p:spPr bwMode="auto">
+          <a:xfrm>
+            <a:off x="335573" y="4346917"/>
+            <a:ext cx="8452897" cy="597877"/>
+          </a:xfrm>
+          <a:prstGeom prst="rect">
+            <a:avLst/>
+          </a:prstGeom>
+          <a:noFill/>
+          <a:ln w="9525">
+            <a:noFill/>
+            <a:miter lim="800000"/>
+            <a:headEnd/>
+            <a:tailEnd/>
+          </a:ln>
+        </p:spPr>
+      </p:pic>
     </p:spTree>
   </p:cSld>
   <p:clrMapOvr>
@@ -3563,6 +3658,1704 @@
       </p:grpSpPr>
       <p:sp>
         <p:nvSpPr>
+          <p:cNvPr id="6" name="Title 5"/>
+          <p:cNvSpPr>
+            <a:spLocks noGrp="1"/>
+          </p:cNvSpPr>
+          <p:nvPr>
+            <p:ph type="title"/>
+          </p:nvPr>
+        </p:nvSpPr>
+        <p:spPr/>
+        <p:txBody>
+          <a:bodyPr/>
+          <a:lstStyle/>
+          <a:p>
+            <a:r>
+              <a:rPr lang="pt-BR" dirty="0" smtClean="0"/>
+              <a:t>Variable within another variable</a:t>
+            </a:r>
+            <a:endParaRPr lang="en-US" dirty="0"/>
+          </a:p>
+        </p:txBody>
+      </p:sp>
+      <p:pic>
+        <p:nvPicPr>
+          <p:cNvPr id="2050" name="Picture 2"/>
+          <p:cNvPicPr>
+            <a:picLocks noChangeAspect="1" noChangeArrowheads="1"/>
+          </p:cNvPicPr>
+          <p:nvPr/>
+        </p:nvPicPr>
+        <p:blipFill>
+          <a:blip r:embed="rId2" cstate="print"/>
+          <a:srcRect l="478"/>
+          <a:stretch>
+            <a:fillRect/>
+          </a:stretch>
+        </p:blipFill>
+        <p:spPr bwMode="auto">
+          <a:xfrm>
+            <a:off x="225083" y="1543050"/>
+            <a:ext cx="8778240" cy="1285571"/>
+          </a:xfrm>
+          <a:prstGeom prst="rect">
+            <a:avLst/>
+          </a:prstGeom>
+          <a:noFill/>
+          <a:ln w="9525">
+            <a:noFill/>
+            <a:miter lim="800000"/>
+            <a:headEnd/>
+            <a:tailEnd/>
+          </a:ln>
+        </p:spPr>
+      </p:pic>
+      <p:pic>
+        <p:nvPicPr>
+          <p:cNvPr id="2051" name="Picture 3"/>
+          <p:cNvPicPr>
+            <a:picLocks noChangeAspect="1" noChangeArrowheads="1"/>
+          </p:cNvPicPr>
+          <p:nvPr/>
+        </p:nvPicPr>
+        <p:blipFill>
+          <a:blip r:embed="rId3" cstate="print"/>
+          <a:srcRect/>
+          <a:stretch>
+            <a:fillRect/>
+          </a:stretch>
+        </p:blipFill>
+        <p:spPr bwMode="auto">
+          <a:xfrm>
+            <a:off x="621250" y="2925416"/>
+            <a:ext cx="6243919" cy="1119040"/>
+          </a:xfrm>
+          <a:prstGeom prst="rect">
+            <a:avLst/>
+          </a:prstGeom>
+          <a:noFill/>
+          <a:ln w="9525">
+            <a:noFill/>
+            <a:miter lim="800000"/>
+            <a:headEnd/>
+            <a:tailEnd/>
+          </a:ln>
+        </p:spPr>
+      </p:pic>
+    </p:spTree>
+  </p:cSld>
+  <p:clrMapOvr>
+    <a:masterClrMapping/>
+  </p:clrMapOvr>
+</p:sld>
+</file>
+
+<file path=ppt/slides/slide12.xml><?xml version="1.0" encoding="utf-8"?>
+<p:sld xmlns:a="http://schemas.openxmlformats.org/drawingml/2006/main" xmlns:r="http://schemas.openxmlformats.org/officeDocument/2006/relationships" xmlns:p="http://schemas.openxmlformats.org/presentationml/2006/main">
+  <p:cSld>
+    <p:spTree>
+      <p:nvGrpSpPr>
+        <p:cNvPr id="1" name=""/>
+        <p:cNvGrpSpPr/>
+        <p:nvPr/>
+      </p:nvGrpSpPr>
+      <p:grpSpPr>
+        <a:xfrm>
+          <a:off x="0" y="0"/>
+          <a:ext cx="0" cy="0"/>
+          <a:chOff x="0" y="0"/>
+          <a:chExt cx="0" cy="0"/>
+        </a:xfrm>
+      </p:grpSpPr>
+      <p:sp>
+        <p:nvSpPr>
+          <p:cNvPr id="2" name="Title 1"/>
+          <p:cNvSpPr>
+            <a:spLocks noGrp="1"/>
+          </p:cNvSpPr>
+          <p:nvPr>
+            <p:ph type="title"/>
+          </p:nvPr>
+        </p:nvSpPr>
+        <p:spPr/>
+        <p:txBody>
+          <a:bodyPr/>
+          <a:lstStyle/>
+          <a:p>
+            <a:r>
+              <a:rPr lang="pt-BR" dirty="0" smtClean="0"/>
+              <a:t>Operators</a:t>
+            </a:r>
+            <a:endParaRPr lang="en-US" dirty="0"/>
+          </a:p>
+        </p:txBody>
+      </p:sp>
+      <p:sp>
+        <p:nvSpPr>
+          <p:cNvPr id="3" name="Content Placeholder 2"/>
+          <p:cNvSpPr>
+            <a:spLocks noGrp="1"/>
+          </p:cNvSpPr>
+          <p:nvPr>
+            <p:ph idx="1"/>
+          </p:nvPr>
+        </p:nvSpPr>
+        <p:spPr>
+          <a:xfrm>
+            <a:off x="457200" y="1200150"/>
+            <a:ext cx="8229600" cy="3836084"/>
+          </a:xfrm>
+        </p:spPr>
+        <p:txBody>
+          <a:bodyPr>
+            <a:normAutofit lnSpcReduction="10000"/>
+          </a:bodyPr>
+          <a:lstStyle/>
+          <a:p>
+            <a:r>
+              <a:rPr lang="pt-BR" dirty="0" smtClean="0"/>
+              <a:t>Elements that operates on data called operators.</a:t>
+            </a:r>
+          </a:p>
+          <a:p>
+            <a:pPr lvl="1"/>
+            <a:r>
+              <a:rPr lang="pt-BR" dirty="0" smtClean="0"/>
+              <a:t>E.g : 1 + 4 , + is an operator </a:t>
+            </a:r>
+          </a:p>
+          <a:p>
+            <a:r>
+              <a:rPr lang="en-US" b="1" dirty="0" smtClean="0"/>
+              <a:t>Arithmetic </a:t>
+            </a:r>
+            <a:r>
+              <a:rPr lang="en-US" b="1" dirty="0" smtClean="0"/>
+              <a:t>operators </a:t>
+            </a:r>
+            <a:r>
+              <a:rPr lang="en-US" dirty="0" smtClean="0"/>
+              <a:t>manipulate on numeric scalar data</a:t>
+            </a:r>
+            <a:r>
+              <a:rPr lang="en-US" dirty="0" smtClean="0"/>
+              <a:t>.</a:t>
+            </a:r>
+          </a:p>
+          <a:p>
+            <a:r>
+              <a:rPr lang="en-US" b="1" dirty="0" smtClean="0"/>
+              <a:t>Assignment operators </a:t>
+            </a:r>
+            <a:r>
+              <a:rPr lang="en-US" dirty="0" smtClean="0"/>
+              <a:t>are used to assign </a:t>
+            </a:r>
+            <a:r>
+              <a:rPr lang="en-US" dirty="0" smtClean="0"/>
+              <a:t>data to a scalar </a:t>
+            </a:r>
+            <a:r>
+              <a:rPr lang="en-US" dirty="0" smtClean="0"/>
+              <a:t>or </a:t>
+            </a:r>
+            <a:r>
+              <a:rPr lang="en-US" dirty="0" smtClean="0"/>
+              <a:t>list.</a:t>
+            </a:r>
+          </a:p>
+          <a:p>
+            <a:r>
+              <a:rPr lang="en-US" b="1" dirty="0" smtClean="0"/>
+              <a:t>Comparison operators </a:t>
+            </a:r>
+            <a:r>
+              <a:rPr lang="en-US" dirty="0" smtClean="0"/>
+              <a:t>are used to compare two pieces of scalar </a:t>
+            </a:r>
+            <a:r>
+              <a:rPr lang="en-US" dirty="0" smtClean="0"/>
+              <a:t>data.</a:t>
+            </a:r>
+          </a:p>
+          <a:p>
+            <a:r>
+              <a:rPr lang="en-US" b="1" dirty="0" smtClean="0"/>
+              <a:t>Logical operators </a:t>
+            </a:r>
+            <a:r>
+              <a:rPr lang="en-US" dirty="0" smtClean="0"/>
+              <a:t>can be used to do some Boolean logic calculations.</a:t>
+            </a:r>
+            <a:endParaRPr lang="en-US" dirty="0" smtClean="0"/>
+          </a:p>
+          <a:p>
+            <a:r>
+              <a:rPr lang="en-US" b="1" dirty="0" smtClean="0"/>
+              <a:t>String </a:t>
+            </a:r>
+            <a:r>
+              <a:rPr lang="en-US" b="1" dirty="0" smtClean="0"/>
+              <a:t>manipulation operators </a:t>
+            </a:r>
+            <a:r>
+              <a:rPr lang="en-US" dirty="0" smtClean="0"/>
+              <a:t>manipulate on </a:t>
+            </a:r>
+            <a:r>
+              <a:rPr lang="en-US" dirty="0" smtClean="0"/>
+              <a:t>strings.</a:t>
+            </a:r>
+            <a:endParaRPr lang="en-US" dirty="0"/>
+          </a:p>
+        </p:txBody>
+      </p:sp>
+    </p:spTree>
+  </p:cSld>
+  <p:clrMapOvr>
+    <a:masterClrMapping/>
+  </p:clrMapOvr>
+</p:sld>
+</file>
+
+<file path=ppt/slides/slide13.xml><?xml version="1.0" encoding="utf-8"?>
+<p:sld xmlns:a="http://schemas.openxmlformats.org/drawingml/2006/main" xmlns:r="http://schemas.openxmlformats.org/officeDocument/2006/relationships" xmlns:p="http://schemas.openxmlformats.org/presentationml/2006/main">
+  <p:cSld>
+    <p:spTree>
+      <p:nvGrpSpPr>
+        <p:cNvPr id="1" name=""/>
+        <p:cNvGrpSpPr/>
+        <p:nvPr/>
+      </p:nvGrpSpPr>
+      <p:grpSpPr>
+        <a:xfrm>
+          <a:off x="0" y="0"/>
+          <a:ext cx="0" cy="0"/>
+          <a:chOff x="0" y="0"/>
+          <a:chExt cx="0" cy="0"/>
+        </a:xfrm>
+      </p:grpSpPr>
+      <p:sp>
+        <p:nvSpPr>
+          <p:cNvPr id="2" name="Title 1"/>
+          <p:cNvSpPr>
+            <a:spLocks noGrp="1"/>
+          </p:cNvSpPr>
+          <p:nvPr>
+            <p:ph type="title"/>
+          </p:nvPr>
+        </p:nvSpPr>
+        <p:spPr/>
+        <p:txBody>
+          <a:bodyPr/>
+          <a:lstStyle/>
+          <a:p>
+            <a:r>
+              <a:rPr lang="en-US" b="1" dirty="0" smtClean="0"/>
+              <a:t>Arithmetic operators</a:t>
+            </a:r>
+            <a:endParaRPr lang="en-US" dirty="0"/>
+          </a:p>
+        </p:txBody>
+      </p:sp>
+      <p:sp>
+        <p:nvSpPr>
+          <p:cNvPr id="3" name="Content Placeholder 2"/>
+          <p:cNvSpPr>
+            <a:spLocks noGrp="1"/>
+          </p:cNvSpPr>
+          <p:nvPr>
+            <p:ph idx="1"/>
+          </p:nvPr>
+        </p:nvSpPr>
+        <p:spPr/>
+        <p:txBody>
+          <a:bodyPr/>
+          <a:lstStyle/>
+          <a:p>
+            <a:r>
+              <a:rPr lang="en-US" dirty="0" smtClean="0"/>
+              <a:t>$variable1 = 1000000 </a:t>
+            </a:r>
+            <a:r>
+              <a:rPr lang="en-US" dirty="0" smtClean="0">
+                <a:solidFill>
+                  <a:srgbClr val="FF0000"/>
+                </a:solidFill>
+              </a:rPr>
+              <a:t>+</a:t>
+            </a:r>
+            <a:r>
+              <a:rPr lang="en-US" dirty="0" smtClean="0"/>
+              <a:t> 222; </a:t>
+            </a:r>
+            <a:endParaRPr lang="en-US" dirty="0" smtClean="0"/>
+          </a:p>
+          <a:p>
+            <a:r>
+              <a:rPr lang="en-US" dirty="0" smtClean="0"/>
+              <a:t>$</a:t>
+            </a:r>
+            <a:r>
+              <a:rPr lang="en-US" dirty="0" smtClean="0"/>
+              <a:t>variable1 = 1000000 </a:t>
+            </a:r>
+            <a:r>
+              <a:rPr lang="en-US" dirty="0" smtClean="0">
+                <a:solidFill>
+                  <a:srgbClr val="FF0000"/>
+                </a:solidFill>
+              </a:rPr>
+              <a:t>*</a:t>
+            </a:r>
+            <a:r>
+              <a:rPr lang="en-US" dirty="0" smtClean="0"/>
+              <a:t> 222; </a:t>
+            </a:r>
+            <a:endParaRPr lang="en-US" dirty="0" smtClean="0"/>
+          </a:p>
+          <a:p>
+            <a:r>
+              <a:rPr lang="en-US" dirty="0" smtClean="0"/>
+              <a:t>$</a:t>
+            </a:r>
+            <a:r>
+              <a:rPr lang="en-US" dirty="0" smtClean="0"/>
+              <a:t>variable1 = 1000000 </a:t>
+            </a:r>
+            <a:r>
+              <a:rPr lang="en-US" dirty="0" smtClean="0">
+                <a:solidFill>
+                  <a:srgbClr val="FF0000"/>
+                </a:solidFill>
+              </a:rPr>
+              <a:t>-</a:t>
+            </a:r>
+            <a:r>
+              <a:rPr lang="en-US" dirty="0" smtClean="0"/>
+              <a:t> 222; </a:t>
+            </a:r>
+            <a:endParaRPr lang="en-US" dirty="0" smtClean="0"/>
+          </a:p>
+          <a:p>
+            <a:r>
+              <a:rPr lang="en-US" dirty="0" smtClean="0"/>
+              <a:t>$</a:t>
+            </a:r>
+            <a:r>
+              <a:rPr lang="en-US" dirty="0" smtClean="0"/>
+              <a:t>variable1 = 1000000 </a:t>
+            </a:r>
+            <a:r>
+              <a:rPr lang="en-US" dirty="0" smtClean="0">
+                <a:solidFill>
+                  <a:srgbClr val="FF0000"/>
+                </a:solidFill>
+              </a:rPr>
+              <a:t>/</a:t>
+            </a:r>
+            <a:r>
+              <a:rPr lang="en-US" dirty="0" smtClean="0"/>
+              <a:t> 222; </a:t>
+            </a:r>
+            <a:endParaRPr lang="en-US" dirty="0" smtClean="0"/>
+          </a:p>
+          <a:p>
+            <a:r>
+              <a:rPr lang="en-US" dirty="0" smtClean="0"/>
+              <a:t>$</a:t>
+            </a:r>
+            <a:r>
+              <a:rPr lang="en-US" dirty="0" smtClean="0"/>
+              <a:t>variable1 = 121</a:t>
+            </a:r>
+            <a:r>
+              <a:rPr lang="en-US" dirty="0" smtClean="0">
+                <a:solidFill>
+                  <a:srgbClr val="FF0000"/>
+                </a:solidFill>
+              </a:rPr>
+              <a:t>**</a:t>
+            </a:r>
+            <a:r>
+              <a:rPr lang="en-US" dirty="0" smtClean="0"/>
+              <a:t>3; </a:t>
+            </a:r>
+            <a:r>
+              <a:rPr lang="en-US" dirty="0" smtClean="0"/>
+              <a:t>	# power </a:t>
+            </a:r>
+            <a:r>
+              <a:rPr lang="en-US" dirty="0" smtClean="0"/>
+              <a:t>=</a:t>
+            </a:r>
+            <a:r>
+              <a:rPr lang="en-US" dirty="0" smtClean="0"/>
+              <a:t>1771561 or </a:t>
+            </a:r>
+            <a:r>
+              <a:rPr lang="en-US" dirty="0" smtClean="0">
+                <a:solidFill>
+                  <a:srgbClr val="FF0000"/>
+                </a:solidFill>
+              </a:rPr>
+              <a:t>^</a:t>
+            </a:r>
+            <a:endParaRPr lang="en-US" dirty="0" smtClean="0">
+              <a:solidFill>
+                <a:srgbClr val="FF0000"/>
+              </a:solidFill>
+            </a:endParaRPr>
+          </a:p>
+          <a:p>
+            <a:r>
+              <a:rPr lang="en-US" dirty="0" smtClean="0"/>
+              <a:t>$variable1 = 1000000 </a:t>
+            </a:r>
+            <a:r>
+              <a:rPr lang="en-US" dirty="0" smtClean="0">
+                <a:solidFill>
+                  <a:srgbClr val="FF0000"/>
+                </a:solidFill>
+              </a:rPr>
+              <a:t>%</a:t>
+            </a:r>
+            <a:r>
+              <a:rPr lang="en-US" dirty="0" smtClean="0"/>
+              <a:t> 222; </a:t>
+            </a:r>
+            <a:r>
+              <a:rPr lang="en-US" dirty="0" smtClean="0"/>
+              <a:t># modulus</a:t>
+            </a:r>
+            <a:r>
+              <a:rPr lang="en-US" dirty="0" smtClean="0"/>
+              <a:t>, =</a:t>
+            </a:r>
+            <a:r>
+              <a:rPr lang="en-US" dirty="0" smtClean="0"/>
+              <a:t>112</a:t>
+            </a:r>
+          </a:p>
+          <a:p>
+            <a:r>
+              <a:rPr lang="en-US" dirty="0" smtClean="0"/>
+              <a:t>$</a:t>
+            </a:r>
+            <a:r>
+              <a:rPr lang="en-US" dirty="0" smtClean="0"/>
+              <a:t>variable1++ ; # increase value by 1 </a:t>
+            </a:r>
+          </a:p>
+          <a:p>
+            <a:r>
+              <a:rPr lang="en-US" dirty="0" smtClean="0"/>
+              <a:t>$</a:t>
+            </a:r>
+            <a:r>
+              <a:rPr lang="en-US" dirty="0" smtClean="0"/>
+              <a:t>variable1-- ; </a:t>
+            </a:r>
+            <a:r>
+              <a:rPr lang="en-US" dirty="0" smtClean="0"/>
+              <a:t># </a:t>
+            </a:r>
+            <a:r>
+              <a:rPr lang="en-US" dirty="0" smtClean="0"/>
+              <a:t>decrease </a:t>
+            </a:r>
+            <a:r>
+              <a:rPr lang="en-US" dirty="0" smtClean="0"/>
+              <a:t>value by 1</a:t>
+            </a:r>
+            <a:endParaRPr lang="en-US" dirty="0"/>
+          </a:p>
+        </p:txBody>
+      </p:sp>
+    </p:spTree>
+  </p:cSld>
+  <p:clrMapOvr>
+    <a:masterClrMapping/>
+  </p:clrMapOvr>
+</p:sld>
+</file>
+
+<file path=ppt/slides/slide14.xml><?xml version="1.0" encoding="utf-8"?>
+<p:sld xmlns:a="http://schemas.openxmlformats.org/drawingml/2006/main" xmlns:r="http://schemas.openxmlformats.org/officeDocument/2006/relationships" xmlns:p="http://schemas.openxmlformats.org/presentationml/2006/main">
+  <p:cSld>
+    <p:spTree>
+      <p:nvGrpSpPr>
+        <p:cNvPr id="1" name=""/>
+        <p:cNvGrpSpPr/>
+        <p:nvPr/>
+      </p:nvGrpSpPr>
+      <p:grpSpPr>
+        <a:xfrm>
+          <a:off x="0" y="0"/>
+          <a:ext cx="0" cy="0"/>
+          <a:chOff x="0" y="0"/>
+          <a:chExt cx="0" cy="0"/>
+        </a:xfrm>
+      </p:grpSpPr>
+      <p:sp>
+        <p:nvSpPr>
+          <p:cNvPr id="2" name="Title 1"/>
+          <p:cNvSpPr>
+            <a:spLocks noGrp="1"/>
+          </p:cNvSpPr>
+          <p:nvPr>
+            <p:ph type="title"/>
+          </p:nvPr>
+        </p:nvSpPr>
+        <p:spPr/>
+        <p:txBody>
+          <a:bodyPr/>
+          <a:lstStyle/>
+          <a:p>
+            <a:r>
+              <a:rPr lang="en-US" b="1" dirty="0" smtClean="0"/>
+              <a:t>Assignment operators</a:t>
+            </a:r>
+            <a:endParaRPr lang="en-US" dirty="0"/>
+          </a:p>
+        </p:txBody>
+      </p:sp>
+      <p:graphicFrame>
+        <p:nvGraphicFramePr>
+          <p:cNvPr id="4" name="Table 3"/>
+          <p:cNvGraphicFramePr>
+            <a:graphicFrameLocks noGrp="1"/>
+          </p:cNvGraphicFramePr>
+          <p:nvPr/>
+        </p:nvGraphicFramePr>
+        <p:xfrm>
+          <a:off x="968326" y="1433049"/>
+          <a:ext cx="7612966" cy="3235960"/>
+        </p:xfrm>
+        <a:graphic>
+          <a:graphicData uri="http://schemas.openxmlformats.org/drawingml/2006/table">
+            <a:tbl>
+              <a:tblPr firstRow="1" bandRow="1">
+                <a:tableStyleId>{5C22544A-7EE6-4342-B048-85BDC9FD1C3A}</a:tableStyleId>
+              </a:tblPr>
+              <a:tblGrid>
+                <a:gridCol w="3097237"/>
+                <a:gridCol w="4515729"/>
+              </a:tblGrid>
+              <a:tr h="370840">
+                <a:tc>
+                  <a:txBody>
+                    <a:bodyPr/>
+                    <a:lstStyle/>
+                    <a:p>
+                      <a:r>
+                        <a:rPr lang="pt-BR" dirty="0" smtClean="0"/>
+                        <a:t>Operators</a:t>
+                      </a:r>
+                      <a:endParaRPr lang="en-US" dirty="0"/>
+                    </a:p>
+                  </a:txBody>
+                  <a:tcPr/>
+                </a:tc>
+                <a:tc>
+                  <a:txBody>
+                    <a:bodyPr/>
+                    <a:lstStyle/>
+                    <a:p>
+                      <a:r>
+                        <a:rPr lang="pt-BR" dirty="0" smtClean="0"/>
+                        <a:t>Examples</a:t>
+                      </a:r>
+                      <a:endParaRPr lang="en-US" dirty="0"/>
+                    </a:p>
+                  </a:txBody>
+                  <a:tcPr/>
+                </a:tc>
+              </a:tr>
+              <a:tr h="370840">
+                <a:tc>
+                  <a:txBody>
+                    <a:bodyPr/>
+                    <a:lstStyle/>
+                    <a:p>
+                      <a:r>
+                        <a:rPr lang="pt-BR" dirty="0" smtClean="0"/>
+                        <a:t>= (assign)</a:t>
+                      </a:r>
+                      <a:endParaRPr lang="en-US" dirty="0"/>
+                    </a:p>
+                  </a:txBody>
+                  <a:tcPr/>
+                </a:tc>
+                <a:tc>
+                  <a:txBody>
+                    <a:bodyPr/>
+                    <a:lstStyle/>
+                    <a:p>
+                      <a:r>
+                        <a:rPr lang="pt-BR" dirty="0" smtClean="0"/>
+                        <a:t>$a =$b</a:t>
+                      </a:r>
+                      <a:r>
+                        <a:rPr lang="pt-BR" baseline="0" dirty="0" smtClean="0"/>
+                        <a:t> + $c; means add $b + $c and assign to $a</a:t>
+                      </a:r>
+                      <a:endParaRPr lang="en-US" dirty="0"/>
+                    </a:p>
+                  </a:txBody>
+                  <a:tcPr/>
+                </a:tc>
+              </a:tr>
+              <a:tr h="370840">
+                <a:tc>
+                  <a:txBody>
+                    <a:bodyPr/>
+                    <a:lstStyle/>
+                    <a:p>
+                      <a:r>
+                        <a:rPr lang="pt-BR" dirty="0" smtClean="0"/>
+                        <a:t>+= (add and</a:t>
+                      </a:r>
+                      <a:r>
+                        <a:rPr lang="pt-BR" baseline="0" dirty="0" smtClean="0"/>
+                        <a:t> assign</a:t>
+                      </a:r>
+                      <a:r>
+                        <a:rPr lang="pt-BR" dirty="0" smtClean="0"/>
+                        <a:t>)</a:t>
+                      </a:r>
+                      <a:endParaRPr lang="en-US" dirty="0"/>
+                    </a:p>
+                  </a:txBody>
+                  <a:tcPr/>
+                </a:tc>
+                <a:tc>
+                  <a:txBody>
+                    <a:bodyPr/>
+                    <a:lstStyle/>
+                    <a:p>
+                      <a:r>
+                        <a:rPr lang="pt-BR" dirty="0" smtClean="0"/>
+                        <a:t>$a+=$b;  means $a = $a+$b;</a:t>
+                      </a:r>
+                      <a:endParaRPr lang="en-US" dirty="0"/>
+                    </a:p>
+                  </a:txBody>
+                  <a:tcPr/>
+                </a:tc>
+              </a:tr>
+              <a:tr h="370840">
+                <a:tc>
+                  <a:txBody>
+                    <a:bodyPr/>
+                    <a:lstStyle/>
+                    <a:p>
+                      <a:r>
+                        <a:rPr lang="pt-BR" dirty="0" smtClean="0"/>
+                        <a:t>*= (multiply and asign)</a:t>
+                      </a:r>
+                      <a:endParaRPr lang="en-US" dirty="0"/>
+                    </a:p>
+                  </a:txBody>
+                  <a:tcPr/>
+                </a:tc>
+                <a:tc>
+                  <a:txBody>
+                    <a:bodyPr/>
+                    <a:lstStyle/>
+                    <a:p>
+                      <a:pPr marL="0" marR="0" indent="0" algn="l" defTabSz="914400" rtl="0" eaLnBrk="1" fontAlgn="auto" latinLnBrk="0" hangingPunct="1">
+                        <a:lnSpc>
+                          <a:spcPct val="100000"/>
+                        </a:lnSpc>
+                        <a:spcBef>
+                          <a:spcPts val="0"/>
+                        </a:spcBef>
+                        <a:spcAft>
+                          <a:spcPts val="0"/>
+                        </a:spcAft>
+                        <a:buClrTx/>
+                        <a:buSzTx/>
+                        <a:buFontTx/>
+                        <a:buNone/>
+                        <a:tabLst/>
+                        <a:defRPr/>
+                      </a:pPr>
+                      <a:r>
+                        <a:rPr lang="pt-BR" dirty="0" smtClean="0"/>
+                        <a:t>$a*=$b;  means $a = $a*$b;</a:t>
+                      </a:r>
+                      <a:endParaRPr lang="en-US" dirty="0" smtClean="0"/>
+                    </a:p>
+                  </a:txBody>
+                  <a:tcPr/>
+                </a:tc>
+              </a:tr>
+              <a:tr h="370840">
+                <a:tc>
+                  <a:txBody>
+                    <a:bodyPr/>
+                    <a:lstStyle/>
+                    <a:p>
+                      <a:r>
+                        <a:rPr lang="pt-BR" dirty="0" smtClean="0"/>
+                        <a:t>-= (subtract</a:t>
+                      </a:r>
+                      <a:r>
+                        <a:rPr lang="pt-BR" baseline="0" dirty="0" smtClean="0"/>
+                        <a:t> and assign</a:t>
+                      </a:r>
+                      <a:r>
+                        <a:rPr lang="pt-BR" dirty="0" smtClean="0"/>
+                        <a:t>)</a:t>
+                      </a:r>
+                      <a:endParaRPr lang="en-US" dirty="0"/>
+                    </a:p>
+                  </a:txBody>
+                  <a:tcPr/>
+                </a:tc>
+                <a:tc>
+                  <a:txBody>
+                    <a:bodyPr/>
+                    <a:lstStyle/>
+                    <a:p>
+                      <a:pPr marL="0" marR="0" indent="0" algn="l" defTabSz="914400" rtl="0" eaLnBrk="1" fontAlgn="auto" latinLnBrk="0" hangingPunct="1">
+                        <a:lnSpc>
+                          <a:spcPct val="100000"/>
+                        </a:lnSpc>
+                        <a:spcBef>
+                          <a:spcPts val="0"/>
+                        </a:spcBef>
+                        <a:spcAft>
+                          <a:spcPts val="0"/>
+                        </a:spcAft>
+                        <a:buClrTx/>
+                        <a:buSzTx/>
+                        <a:buFontTx/>
+                        <a:buNone/>
+                        <a:tabLst/>
+                        <a:defRPr/>
+                      </a:pPr>
+                      <a:r>
+                        <a:rPr lang="pt-BR" dirty="0" smtClean="0"/>
+                        <a:t>$a-=$b;  means $a = $a-$b;</a:t>
+                      </a:r>
+                      <a:endParaRPr lang="en-US" dirty="0"/>
+                    </a:p>
+                  </a:txBody>
+                  <a:tcPr/>
+                </a:tc>
+              </a:tr>
+              <a:tr h="370840">
+                <a:tc>
+                  <a:txBody>
+                    <a:bodyPr/>
+                    <a:lstStyle/>
+                    <a:p>
+                      <a:r>
+                        <a:rPr lang="pt-BR" dirty="0" smtClean="0"/>
+                        <a:t>.= (concatenate and assign )</a:t>
+                      </a:r>
+                      <a:endParaRPr lang="en-US" dirty="0"/>
+                    </a:p>
+                  </a:txBody>
+                  <a:tcPr/>
+                </a:tc>
+                <a:tc>
+                  <a:txBody>
+                    <a:bodyPr/>
+                    <a:lstStyle/>
+                    <a:p>
+                      <a:pPr marL="0" marR="0" indent="0" algn="l" defTabSz="914400" rtl="0" eaLnBrk="1" fontAlgn="auto" latinLnBrk="0" hangingPunct="1">
+                        <a:lnSpc>
+                          <a:spcPct val="100000"/>
+                        </a:lnSpc>
+                        <a:spcBef>
+                          <a:spcPts val="0"/>
+                        </a:spcBef>
+                        <a:spcAft>
+                          <a:spcPts val="0"/>
+                        </a:spcAft>
+                        <a:buClrTx/>
+                        <a:buSzTx/>
+                        <a:buFontTx/>
+                        <a:buNone/>
+                        <a:tabLst/>
+                        <a:defRPr/>
+                      </a:pPr>
+                      <a:r>
+                        <a:rPr lang="pt-BR" dirty="0" smtClean="0"/>
+                        <a:t>$a.=$b;  means $a = $a.$b;</a:t>
+                      </a:r>
+                      <a:endParaRPr lang="en-US" dirty="0"/>
+                    </a:p>
+                  </a:txBody>
+                  <a:tcPr/>
+                </a:tc>
+              </a:tr>
+              <a:tr h="370840">
+                <a:tc>
+                  <a:txBody>
+                    <a:bodyPr/>
+                    <a:lstStyle/>
+                    <a:p>
+                      <a:endParaRPr lang="en-US" dirty="0"/>
+                    </a:p>
+                  </a:txBody>
+                  <a:tcPr/>
+                </a:tc>
+                <a:tc>
+                  <a:txBody>
+                    <a:bodyPr/>
+                    <a:lstStyle/>
+                    <a:p>
+                      <a:endParaRPr lang="en-US"/>
+                    </a:p>
+                  </a:txBody>
+                  <a:tcPr/>
+                </a:tc>
+              </a:tr>
+              <a:tr h="370840">
+                <a:tc>
+                  <a:txBody>
+                    <a:bodyPr/>
+                    <a:lstStyle/>
+                    <a:p>
+                      <a:endParaRPr lang="en-US"/>
+                    </a:p>
+                  </a:txBody>
+                  <a:tcPr/>
+                </a:tc>
+                <a:tc>
+                  <a:txBody>
+                    <a:bodyPr/>
+                    <a:lstStyle/>
+                    <a:p>
+                      <a:endParaRPr lang="en-US" dirty="0"/>
+                    </a:p>
+                  </a:txBody>
+                  <a:tcPr/>
+                </a:tc>
+              </a:tr>
+            </a:tbl>
+          </a:graphicData>
+        </a:graphic>
+      </p:graphicFrame>
+    </p:spTree>
+  </p:cSld>
+  <p:clrMapOvr>
+    <a:masterClrMapping/>
+  </p:clrMapOvr>
+</p:sld>
+</file>
+
+<file path=ppt/slides/slide15.xml><?xml version="1.0" encoding="utf-8"?>
+<p:sld xmlns:a="http://schemas.openxmlformats.org/drawingml/2006/main" xmlns:r="http://schemas.openxmlformats.org/officeDocument/2006/relationships" xmlns:p="http://schemas.openxmlformats.org/presentationml/2006/main">
+  <p:cSld>
+    <p:spTree>
+      <p:nvGrpSpPr>
+        <p:cNvPr id="1" name=""/>
+        <p:cNvGrpSpPr/>
+        <p:nvPr/>
+      </p:nvGrpSpPr>
+      <p:grpSpPr>
+        <a:xfrm>
+          <a:off x="0" y="0"/>
+          <a:ext cx="0" cy="0"/>
+          <a:chOff x="0" y="0"/>
+          <a:chExt cx="0" cy="0"/>
+        </a:xfrm>
+      </p:grpSpPr>
+      <p:sp>
+        <p:nvSpPr>
+          <p:cNvPr id="2" name="Title 1"/>
+          <p:cNvSpPr>
+            <a:spLocks noGrp="1"/>
+          </p:cNvSpPr>
+          <p:nvPr>
+            <p:ph type="title"/>
+          </p:nvPr>
+        </p:nvSpPr>
+        <p:spPr/>
+        <p:txBody>
+          <a:bodyPr/>
+          <a:lstStyle/>
+          <a:p>
+            <a:r>
+              <a:rPr lang="en-US" b="1" dirty="0" smtClean="0"/>
+              <a:t>Comparison operators</a:t>
+            </a:r>
+            <a:endParaRPr lang="en-US" dirty="0"/>
+          </a:p>
+        </p:txBody>
+      </p:sp>
+      <p:graphicFrame>
+        <p:nvGraphicFramePr>
+          <p:cNvPr id="4" name="Content Placeholder 3"/>
+          <p:cNvGraphicFramePr>
+            <a:graphicFrameLocks noGrp="1"/>
+          </p:cNvGraphicFramePr>
+          <p:nvPr>
+            <p:ph idx="1"/>
+          </p:nvPr>
+        </p:nvGraphicFramePr>
+        <p:xfrm>
+          <a:off x="457200" y="1200150"/>
+          <a:ext cx="8229600" cy="2966720"/>
+        </p:xfrm>
+        <a:graphic>
+          <a:graphicData uri="http://schemas.openxmlformats.org/drawingml/2006/table">
+            <a:tbl>
+              <a:tblPr firstRow="1" bandRow="1">
+                <a:tableStyleId>{5C22544A-7EE6-4342-B048-85BDC9FD1C3A}</a:tableStyleId>
+              </a:tblPr>
+              <a:tblGrid>
+                <a:gridCol w="2743200"/>
+                <a:gridCol w="2743200"/>
+                <a:gridCol w="2743200"/>
+              </a:tblGrid>
+              <a:tr h="370840">
+                <a:tc>
+                  <a:txBody>
+                    <a:bodyPr/>
+                    <a:lstStyle/>
+                    <a:p>
+                      <a:r>
+                        <a:rPr lang="pt-BR" dirty="0" smtClean="0"/>
+                        <a:t>Operators</a:t>
+                      </a:r>
+                      <a:endParaRPr lang="en-US" dirty="0"/>
+                    </a:p>
+                  </a:txBody>
+                  <a:tcPr/>
+                </a:tc>
+                <a:tc>
+                  <a:txBody>
+                    <a:bodyPr/>
+                    <a:lstStyle/>
+                    <a:p>
+                      <a:r>
+                        <a:rPr lang="pt-BR" dirty="0" smtClean="0"/>
+                        <a:t>Numerical </a:t>
+                      </a:r>
+                      <a:endParaRPr lang="en-US" dirty="0"/>
+                    </a:p>
+                  </a:txBody>
+                  <a:tcPr/>
+                </a:tc>
+                <a:tc>
+                  <a:txBody>
+                    <a:bodyPr/>
+                    <a:lstStyle/>
+                    <a:p>
+                      <a:r>
+                        <a:rPr lang="pt-BR" dirty="0" smtClean="0"/>
+                        <a:t>String</a:t>
+                      </a:r>
+                      <a:endParaRPr lang="en-US" dirty="0"/>
+                    </a:p>
+                  </a:txBody>
+                  <a:tcPr/>
+                </a:tc>
+              </a:tr>
+              <a:tr h="370840">
+                <a:tc>
+                  <a:txBody>
+                    <a:bodyPr/>
+                    <a:lstStyle/>
+                    <a:p>
+                      <a:r>
+                        <a:rPr lang="pt-BR" dirty="0" smtClean="0"/>
+                        <a:t>Is equal</a:t>
+                      </a:r>
+                      <a:endParaRPr lang="en-US" dirty="0"/>
+                    </a:p>
+                  </a:txBody>
+                  <a:tcPr/>
+                </a:tc>
+                <a:tc>
+                  <a:txBody>
+                    <a:bodyPr/>
+                    <a:lstStyle/>
+                    <a:p>
+                      <a:r>
+                        <a:rPr lang="pt-BR" dirty="0" smtClean="0"/>
+                        <a:t>==</a:t>
+                      </a:r>
+                      <a:endParaRPr lang="en-US" dirty="0"/>
+                    </a:p>
+                  </a:txBody>
+                  <a:tcPr/>
+                </a:tc>
+                <a:tc>
+                  <a:txBody>
+                    <a:bodyPr/>
+                    <a:lstStyle/>
+                    <a:p>
+                      <a:r>
+                        <a:rPr lang="pt-BR" dirty="0" smtClean="0"/>
+                        <a:t>eq</a:t>
+                      </a:r>
+                      <a:endParaRPr lang="en-US" dirty="0"/>
+                    </a:p>
+                  </a:txBody>
+                  <a:tcPr/>
+                </a:tc>
+              </a:tr>
+              <a:tr h="370840">
+                <a:tc>
+                  <a:txBody>
+                    <a:bodyPr/>
+                    <a:lstStyle/>
+                    <a:p>
+                      <a:r>
+                        <a:rPr lang="pt-BR" dirty="0" smtClean="0"/>
+                        <a:t>Not equal</a:t>
+                      </a:r>
+                      <a:endParaRPr lang="en-US" dirty="0"/>
+                    </a:p>
+                  </a:txBody>
+                  <a:tcPr/>
+                </a:tc>
+                <a:tc>
+                  <a:txBody>
+                    <a:bodyPr/>
+                    <a:lstStyle/>
+                    <a:p>
+                      <a:r>
+                        <a:rPr lang="pt-BR" dirty="0" smtClean="0"/>
+                        <a:t>!= </a:t>
+                      </a:r>
+                      <a:endParaRPr lang="en-US" dirty="0"/>
+                    </a:p>
+                  </a:txBody>
+                  <a:tcPr/>
+                </a:tc>
+                <a:tc>
+                  <a:txBody>
+                    <a:bodyPr/>
+                    <a:lstStyle/>
+                    <a:p>
+                      <a:r>
+                        <a:rPr lang="pt-BR" dirty="0" smtClean="0"/>
+                        <a:t>ne</a:t>
+                      </a:r>
+                      <a:endParaRPr lang="en-US" dirty="0"/>
+                    </a:p>
+                  </a:txBody>
+                  <a:tcPr/>
+                </a:tc>
+              </a:tr>
+              <a:tr h="370840">
+                <a:tc>
+                  <a:txBody>
+                    <a:bodyPr/>
+                    <a:lstStyle/>
+                    <a:p>
+                      <a:r>
+                        <a:rPr lang="pt-BR" dirty="0" smtClean="0"/>
+                        <a:t>Greater than </a:t>
+                      </a:r>
+                      <a:endParaRPr lang="en-US" dirty="0"/>
+                    </a:p>
+                  </a:txBody>
+                  <a:tcPr/>
+                </a:tc>
+                <a:tc>
+                  <a:txBody>
+                    <a:bodyPr/>
+                    <a:lstStyle/>
+                    <a:p>
+                      <a:r>
+                        <a:rPr lang="pt-BR" dirty="0" smtClean="0"/>
+                        <a:t>&gt;</a:t>
+                      </a:r>
+                      <a:endParaRPr lang="en-US" dirty="0"/>
+                    </a:p>
+                  </a:txBody>
+                  <a:tcPr/>
+                </a:tc>
+                <a:tc>
+                  <a:txBody>
+                    <a:bodyPr/>
+                    <a:lstStyle/>
+                    <a:p>
+                      <a:r>
+                        <a:rPr lang="pt-BR" dirty="0" smtClean="0"/>
+                        <a:t>gt</a:t>
+                      </a:r>
+                      <a:endParaRPr lang="en-US" dirty="0"/>
+                    </a:p>
+                  </a:txBody>
+                  <a:tcPr/>
+                </a:tc>
+              </a:tr>
+              <a:tr h="370840">
+                <a:tc>
+                  <a:txBody>
+                    <a:bodyPr/>
+                    <a:lstStyle/>
+                    <a:p>
+                      <a:r>
+                        <a:rPr lang="pt-BR" dirty="0" smtClean="0"/>
+                        <a:t>Les than </a:t>
+                      </a:r>
+                      <a:endParaRPr lang="en-US" dirty="0"/>
+                    </a:p>
+                  </a:txBody>
+                  <a:tcPr/>
+                </a:tc>
+                <a:tc>
+                  <a:txBody>
+                    <a:bodyPr/>
+                    <a:lstStyle/>
+                    <a:p>
+                      <a:r>
+                        <a:rPr lang="pt-BR" dirty="0" smtClean="0"/>
+                        <a:t>&lt;</a:t>
+                      </a:r>
+                      <a:endParaRPr lang="en-US" dirty="0"/>
+                    </a:p>
+                  </a:txBody>
+                  <a:tcPr/>
+                </a:tc>
+                <a:tc>
+                  <a:txBody>
+                    <a:bodyPr/>
+                    <a:lstStyle/>
+                    <a:p>
+                      <a:r>
+                        <a:rPr lang="pt-BR" dirty="0" smtClean="0"/>
+                        <a:t>lt</a:t>
+                      </a:r>
+                      <a:endParaRPr lang="en-US" dirty="0"/>
+                    </a:p>
+                  </a:txBody>
+                  <a:tcPr/>
+                </a:tc>
+              </a:tr>
+              <a:tr h="370840">
+                <a:tc>
+                  <a:txBody>
+                    <a:bodyPr/>
+                    <a:lstStyle/>
+                    <a:p>
+                      <a:r>
+                        <a:rPr lang="pt-BR" dirty="0" smtClean="0"/>
+                        <a:t>Greater than equal</a:t>
+                      </a:r>
+                      <a:endParaRPr lang="en-US" dirty="0"/>
+                    </a:p>
+                  </a:txBody>
+                  <a:tcPr/>
+                </a:tc>
+                <a:tc>
+                  <a:txBody>
+                    <a:bodyPr/>
+                    <a:lstStyle/>
+                    <a:p>
+                      <a:r>
+                        <a:rPr lang="pt-BR" dirty="0" smtClean="0"/>
+                        <a:t>&gt;=</a:t>
+                      </a:r>
+                      <a:endParaRPr lang="en-US" dirty="0"/>
+                    </a:p>
+                  </a:txBody>
+                  <a:tcPr/>
+                </a:tc>
+                <a:tc>
+                  <a:txBody>
+                    <a:bodyPr/>
+                    <a:lstStyle/>
+                    <a:p>
+                      <a:r>
+                        <a:rPr lang="pt-BR" dirty="0" smtClean="0"/>
+                        <a:t>ge</a:t>
+                      </a:r>
+                      <a:endParaRPr lang="en-US" dirty="0"/>
+                    </a:p>
+                  </a:txBody>
+                  <a:tcPr/>
+                </a:tc>
+              </a:tr>
+              <a:tr h="370840">
+                <a:tc>
+                  <a:txBody>
+                    <a:bodyPr/>
+                    <a:lstStyle/>
+                    <a:p>
+                      <a:r>
+                        <a:rPr lang="pt-BR" dirty="0" smtClean="0"/>
+                        <a:t>Les than equal</a:t>
+                      </a:r>
+                      <a:endParaRPr lang="en-US" dirty="0"/>
+                    </a:p>
+                  </a:txBody>
+                  <a:tcPr/>
+                </a:tc>
+                <a:tc>
+                  <a:txBody>
+                    <a:bodyPr/>
+                    <a:lstStyle/>
+                    <a:p>
+                      <a:r>
+                        <a:rPr lang="pt-BR" dirty="0" smtClean="0"/>
+                        <a:t>&lt;=</a:t>
+                      </a:r>
+                      <a:endParaRPr lang="en-US" dirty="0"/>
+                    </a:p>
+                  </a:txBody>
+                  <a:tcPr/>
+                </a:tc>
+                <a:tc>
+                  <a:txBody>
+                    <a:bodyPr/>
+                    <a:lstStyle/>
+                    <a:p>
+                      <a:r>
+                        <a:rPr lang="pt-BR" dirty="0" smtClean="0"/>
+                        <a:t>le</a:t>
+                      </a:r>
+                      <a:endParaRPr lang="en-US" dirty="0"/>
+                    </a:p>
+                  </a:txBody>
+                  <a:tcPr/>
+                </a:tc>
+              </a:tr>
+              <a:tr h="370840">
+                <a:tc>
+                  <a:txBody>
+                    <a:bodyPr/>
+                    <a:lstStyle/>
+                    <a:p>
+                      <a:r>
+                        <a:rPr lang="pt-BR" dirty="0" smtClean="0"/>
+                        <a:t>General comparison</a:t>
+                      </a:r>
+                      <a:endParaRPr lang="en-US" dirty="0"/>
+                    </a:p>
+                  </a:txBody>
+                  <a:tcPr/>
+                </a:tc>
+                <a:tc>
+                  <a:txBody>
+                    <a:bodyPr/>
+                    <a:lstStyle/>
+                    <a:p>
+                      <a:r>
+                        <a:rPr lang="pt-BR" dirty="0" smtClean="0"/>
+                        <a:t>&lt;=&gt;</a:t>
+                      </a:r>
+                      <a:endParaRPr lang="en-US" dirty="0"/>
+                    </a:p>
+                  </a:txBody>
+                  <a:tcPr/>
+                </a:tc>
+                <a:tc>
+                  <a:txBody>
+                    <a:bodyPr/>
+                    <a:lstStyle/>
+                    <a:p>
+                      <a:r>
+                        <a:rPr lang="pt-BR" dirty="0" smtClean="0"/>
+                        <a:t>cmp</a:t>
+                      </a:r>
+                      <a:endParaRPr lang="en-US" dirty="0"/>
+                    </a:p>
+                  </a:txBody>
+                  <a:tcPr/>
+                </a:tc>
+              </a:tr>
+            </a:tbl>
+          </a:graphicData>
+        </a:graphic>
+      </p:graphicFrame>
+    </p:spTree>
+  </p:cSld>
+  <p:clrMapOvr>
+    <a:masterClrMapping/>
+  </p:clrMapOvr>
+</p:sld>
+</file>
+
+<file path=ppt/slides/slide16.xml><?xml version="1.0" encoding="utf-8"?>
+<p:sld xmlns:a="http://schemas.openxmlformats.org/drawingml/2006/main" xmlns:r="http://schemas.openxmlformats.org/officeDocument/2006/relationships" xmlns:p="http://schemas.openxmlformats.org/presentationml/2006/main">
+  <p:cSld>
+    <p:spTree>
+      <p:nvGrpSpPr>
+        <p:cNvPr id="1" name=""/>
+        <p:cNvGrpSpPr/>
+        <p:nvPr/>
+      </p:nvGrpSpPr>
+      <p:grpSpPr>
+        <a:xfrm>
+          <a:off x="0" y="0"/>
+          <a:ext cx="0" cy="0"/>
+          <a:chOff x="0" y="0"/>
+          <a:chExt cx="0" cy="0"/>
+        </a:xfrm>
+      </p:grpSpPr>
+      <p:sp>
+        <p:nvSpPr>
+          <p:cNvPr id="2" name="Title 1"/>
+          <p:cNvSpPr>
+            <a:spLocks noGrp="1"/>
+          </p:cNvSpPr>
+          <p:nvPr>
+            <p:ph type="title"/>
+          </p:nvPr>
+        </p:nvSpPr>
+        <p:spPr/>
+        <p:txBody>
+          <a:bodyPr>
+            <a:normAutofit/>
+          </a:bodyPr>
+          <a:lstStyle/>
+          <a:p>
+            <a:r>
+              <a:rPr lang="en-US" dirty="0" smtClean="0"/>
+              <a:t>Logical </a:t>
+            </a:r>
+            <a:r>
+              <a:rPr lang="en-US" dirty="0" smtClean="0"/>
+              <a:t>operators</a:t>
+            </a:r>
+            <a:endParaRPr lang="en-US" dirty="0"/>
+          </a:p>
+        </p:txBody>
+      </p:sp>
+      <p:sp>
+        <p:nvSpPr>
+          <p:cNvPr id="3" name="Content Placeholder 2"/>
+          <p:cNvSpPr>
+            <a:spLocks noGrp="1"/>
+          </p:cNvSpPr>
+          <p:nvPr>
+            <p:ph idx="1"/>
+          </p:nvPr>
+        </p:nvSpPr>
+        <p:spPr/>
+        <p:txBody>
+          <a:bodyPr/>
+          <a:lstStyle/>
+          <a:p>
+            <a:r>
+              <a:rPr lang="pt-BR" dirty="0" smtClean="0"/>
+              <a:t>&amp;&amp;  OR and : logical AND</a:t>
+            </a:r>
+          </a:p>
+          <a:p>
+            <a:r>
+              <a:rPr lang="pt-BR" dirty="0" smtClean="0"/>
+              <a:t>|| OR or : logical OR </a:t>
+            </a:r>
+          </a:p>
+          <a:p>
+            <a:r>
+              <a:rPr lang="pt-BR" dirty="0" smtClean="0"/>
+              <a:t>!	: NOT</a:t>
+            </a:r>
+            <a:endParaRPr lang="en-US" dirty="0"/>
+          </a:p>
+        </p:txBody>
+      </p:sp>
+      <p:pic>
+        <p:nvPicPr>
+          <p:cNvPr id="3074" name="Picture 2"/>
+          <p:cNvPicPr>
+            <a:picLocks noChangeAspect="1" noChangeArrowheads="1"/>
+          </p:cNvPicPr>
+          <p:nvPr/>
+        </p:nvPicPr>
+        <p:blipFill>
+          <a:blip r:embed="rId2" cstate="print"/>
+          <a:srcRect l="55955" t="48958"/>
+          <a:stretch>
+            <a:fillRect/>
+          </a:stretch>
+        </p:blipFill>
+        <p:spPr bwMode="auto">
+          <a:xfrm>
+            <a:off x="4586068" y="2611169"/>
+            <a:ext cx="1300529" cy="1249460"/>
+          </a:xfrm>
+          <a:prstGeom prst="rect">
+            <a:avLst/>
+          </a:prstGeom>
+          <a:noFill/>
+          <a:ln w="9525">
+            <a:noFill/>
+            <a:miter lim="800000"/>
+            <a:headEnd/>
+            <a:tailEnd/>
+          </a:ln>
+        </p:spPr>
+      </p:pic>
+      <p:pic>
+        <p:nvPicPr>
+          <p:cNvPr id="5" name="Picture 2"/>
+          <p:cNvPicPr>
+            <a:picLocks noChangeAspect="1" noChangeArrowheads="1"/>
+          </p:cNvPicPr>
+          <p:nvPr/>
+        </p:nvPicPr>
+        <p:blipFill>
+          <a:blip r:embed="rId2" cstate="print"/>
+          <a:srcRect l="51032" t="781" b="48073"/>
+          <a:stretch>
+            <a:fillRect/>
+          </a:stretch>
+        </p:blipFill>
+        <p:spPr bwMode="auto">
+          <a:xfrm>
+            <a:off x="2560320" y="2611169"/>
+            <a:ext cx="1445895" cy="1252024"/>
+          </a:xfrm>
+          <a:prstGeom prst="rect">
+            <a:avLst/>
+          </a:prstGeom>
+          <a:noFill/>
+          <a:ln w="9525">
+            <a:noFill/>
+            <a:miter lim="800000"/>
+            <a:headEnd/>
+            <a:tailEnd/>
+          </a:ln>
+        </p:spPr>
+      </p:pic>
+      <p:pic>
+        <p:nvPicPr>
+          <p:cNvPr id="6" name="Picture 2"/>
+          <p:cNvPicPr>
+            <a:picLocks noChangeAspect="1" noChangeArrowheads="1"/>
+          </p:cNvPicPr>
+          <p:nvPr/>
+        </p:nvPicPr>
+        <p:blipFill>
+          <a:blip r:embed="rId2" cstate="print"/>
+          <a:srcRect r="53494" b="49207"/>
+          <a:stretch>
+            <a:fillRect/>
+          </a:stretch>
+        </p:blipFill>
+        <p:spPr bwMode="auto">
+          <a:xfrm>
+            <a:off x="258640" y="2611169"/>
+            <a:ext cx="1373212" cy="1243379"/>
+          </a:xfrm>
+          <a:prstGeom prst="rect">
+            <a:avLst/>
+          </a:prstGeom>
+          <a:noFill/>
+          <a:ln w="9525">
+            <a:noFill/>
+            <a:miter lim="800000"/>
+            <a:headEnd/>
+            <a:tailEnd/>
+          </a:ln>
+        </p:spPr>
+      </p:pic>
+    </p:spTree>
+  </p:cSld>
+  <p:clrMapOvr>
+    <a:masterClrMapping/>
+  </p:clrMapOvr>
+</p:sld>
+</file>
+
+<file path=ppt/slides/slide17.xml><?xml version="1.0" encoding="utf-8"?>
+<p:sld xmlns:a="http://schemas.openxmlformats.org/drawingml/2006/main" xmlns:r="http://schemas.openxmlformats.org/officeDocument/2006/relationships" xmlns:p="http://schemas.openxmlformats.org/presentationml/2006/main">
+  <p:cSld>
+    <p:spTree>
+      <p:nvGrpSpPr>
+        <p:cNvPr id="1" name=""/>
+        <p:cNvGrpSpPr/>
+        <p:nvPr/>
+      </p:nvGrpSpPr>
+      <p:grpSpPr>
+        <a:xfrm>
+          <a:off x="0" y="0"/>
+          <a:ext cx="0" cy="0"/>
+          <a:chOff x="0" y="0"/>
+          <a:chExt cx="0" cy="0"/>
+        </a:xfrm>
+      </p:grpSpPr>
+      <p:sp>
+        <p:nvSpPr>
+          <p:cNvPr id="2" name="Title 1"/>
+          <p:cNvSpPr>
+            <a:spLocks noGrp="1"/>
+          </p:cNvSpPr>
+          <p:nvPr>
+            <p:ph type="title"/>
+          </p:nvPr>
+        </p:nvSpPr>
+        <p:spPr/>
+        <p:txBody>
+          <a:bodyPr/>
+          <a:lstStyle/>
+          <a:p>
+            <a:r>
+              <a:rPr lang="en-US" b="1" dirty="0" smtClean="0"/>
+              <a:t>String manipulation operators</a:t>
+            </a:r>
+            <a:endParaRPr lang="en-US" dirty="0"/>
+          </a:p>
+        </p:txBody>
+      </p:sp>
+      <p:sp>
+        <p:nvSpPr>
+          <p:cNvPr id="3" name="Content Placeholder 2"/>
+          <p:cNvSpPr>
+            <a:spLocks noGrp="1"/>
+          </p:cNvSpPr>
+          <p:nvPr>
+            <p:ph idx="1"/>
+          </p:nvPr>
+        </p:nvSpPr>
+        <p:spPr/>
+        <p:txBody>
+          <a:bodyPr/>
+          <a:lstStyle/>
+          <a:p>
+            <a:r>
+              <a:rPr lang="pt-BR" dirty="0" smtClean="0"/>
+              <a:t>x </a:t>
+            </a:r>
+          </a:p>
+          <a:p>
+            <a:pPr lvl="1"/>
+            <a:r>
+              <a:rPr lang="en-US" dirty="0" smtClean="0"/>
+              <a:t>String repetition </a:t>
+            </a:r>
+            <a:r>
+              <a:rPr lang="en-US" dirty="0" smtClean="0"/>
+              <a:t>operator</a:t>
+            </a:r>
+          </a:p>
+          <a:p>
+            <a:r>
+              <a:rPr lang="pt-BR" dirty="0" smtClean="0"/>
+              <a:t>. </a:t>
+            </a:r>
+          </a:p>
+          <a:p>
+            <a:pPr lvl="1"/>
+            <a:r>
+              <a:rPr lang="en-US" dirty="0" smtClean="0"/>
+              <a:t>String concatenation operator</a:t>
+            </a:r>
+            <a:endParaRPr lang="en-US" dirty="0"/>
+          </a:p>
+        </p:txBody>
+      </p:sp>
+    </p:spTree>
+  </p:cSld>
+  <p:clrMapOvr>
+    <a:masterClrMapping/>
+  </p:clrMapOvr>
+</p:sld>
+</file>
+
+<file path=ppt/slides/slide18.xml><?xml version="1.0" encoding="utf-8"?>
+<p:sld xmlns:a="http://schemas.openxmlformats.org/drawingml/2006/main" xmlns:r="http://schemas.openxmlformats.org/officeDocument/2006/relationships" xmlns:p="http://schemas.openxmlformats.org/presentationml/2006/main">
+  <p:cSld>
+    <p:spTree>
+      <p:nvGrpSpPr>
+        <p:cNvPr id="1" name=""/>
+        <p:cNvGrpSpPr/>
+        <p:nvPr/>
+      </p:nvGrpSpPr>
+      <p:grpSpPr>
+        <a:xfrm>
+          <a:off x="0" y="0"/>
+          <a:ext cx="0" cy="0"/>
+          <a:chOff x="0" y="0"/>
+          <a:chExt cx="0" cy="0"/>
+        </a:xfrm>
+      </p:grpSpPr>
+      <p:sp>
+        <p:nvSpPr>
+          <p:cNvPr id="2" name="Title 1"/>
+          <p:cNvSpPr>
+            <a:spLocks noGrp="1"/>
+          </p:cNvSpPr>
+          <p:nvPr>
+            <p:ph type="title"/>
+          </p:nvPr>
+        </p:nvSpPr>
+        <p:spPr/>
+        <p:txBody>
+          <a:bodyPr/>
+          <a:lstStyle/>
+          <a:p>
+            <a:r>
+              <a:rPr lang="pt-BR" dirty="0" smtClean="0"/>
+              <a:t>Other operators</a:t>
+            </a:r>
+            <a:endParaRPr lang="en-US" dirty="0"/>
+          </a:p>
+        </p:txBody>
+      </p:sp>
+      <p:sp>
+        <p:nvSpPr>
+          <p:cNvPr id="3" name="Content Placeholder 2"/>
+          <p:cNvSpPr>
+            <a:spLocks noGrp="1"/>
+          </p:cNvSpPr>
+          <p:nvPr>
+            <p:ph idx="1"/>
+          </p:nvPr>
+        </p:nvSpPr>
+        <p:spPr/>
+        <p:txBody>
+          <a:bodyPr/>
+          <a:lstStyle/>
+          <a:p>
+            <a:r>
+              <a:rPr lang="pt-BR" dirty="0" smtClean="0"/>
+              <a:t>..</a:t>
+            </a:r>
+          </a:p>
+          <a:p>
+            <a:pPr lvl="1"/>
+            <a:r>
+              <a:rPr lang="pt-BR" dirty="0" smtClean="0"/>
+              <a:t>Range operator (0..10)</a:t>
+            </a:r>
+            <a:endParaRPr lang="en-US" dirty="0"/>
+          </a:p>
+        </p:txBody>
+      </p:sp>
+    </p:spTree>
+  </p:cSld>
+  <p:clrMapOvr>
+    <a:masterClrMapping/>
+  </p:clrMapOvr>
+</p:sld>
+</file>
+
+<file path=ppt/slides/slide19.xml><?xml version="1.0" encoding="utf-8"?>
+<p:sld xmlns:a="http://schemas.openxmlformats.org/drawingml/2006/main" xmlns:r="http://schemas.openxmlformats.org/officeDocument/2006/relationships" xmlns:p="http://schemas.openxmlformats.org/presentationml/2006/main">
+  <p:cSld>
+    <p:spTree>
+      <p:nvGrpSpPr>
+        <p:cNvPr id="1" name=""/>
+        <p:cNvGrpSpPr/>
+        <p:nvPr/>
+      </p:nvGrpSpPr>
+      <p:grpSpPr>
+        <a:xfrm>
+          <a:off x="0" y="0"/>
+          <a:ext cx="0" cy="0"/>
+          <a:chOff x="0" y="0"/>
+          <a:chExt cx="0" cy="0"/>
+        </a:xfrm>
+      </p:grpSpPr>
+      <p:sp>
+        <p:nvSpPr>
           <p:cNvPr id="2" name="Title 1"/>
           <p:cNvSpPr>
             <a:spLocks noGrp="1"/>
@@ -3729,6 +5522,73 @@
               <a:t>Operators on scalars and lists</a:t>
             </a:r>
             <a:endParaRPr lang="en-US" dirty="0"/>
+          </a:p>
+        </p:txBody>
+      </p:sp>
+    </p:spTree>
+  </p:cSld>
+  <p:clrMapOvr>
+    <a:masterClrMapping/>
+  </p:clrMapOvr>
+</p:sld>
+</file>
+
+<file path=ppt/slides/slide20.xml><?xml version="1.0" encoding="utf-8"?>
+<p:sld xmlns:a="http://schemas.openxmlformats.org/drawingml/2006/main" xmlns:r="http://schemas.openxmlformats.org/officeDocument/2006/relationships" xmlns:p="http://schemas.openxmlformats.org/presentationml/2006/main">
+  <p:cSld>
+    <p:spTree>
+      <p:nvGrpSpPr>
+        <p:cNvPr id="1" name=""/>
+        <p:cNvGrpSpPr/>
+        <p:nvPr/>
+      </p:nvGrpSpPr>
+      <p:grpSpPr>
+        <a:xfrm>
+          <a:off x="0" y="0"/>
+          <a:ext cx="0" cy="0"/>
+          <a:chOff x="0" y="0"/>
+          <a:chExt cx="0" cy="0"/>
+        </a:xfrm>
+      </p:grpSpPr>
+      <p:sp>
+        <p:nvSpPr>
+          <p:cNvPr id="2" name="Title 1"/>
+          <p:cNvSpPr>
+            <a:spLocks noGrp="1"/>
+          </p:cNvSpPr>
+          <p:nvPr>
+            <p:ph type="title"/>
+          </p:nvPr>
+        </p:nvSpPr>
+        <p:spPr/>
+        <p:txBody>
+          <a:bodyPr/>
+          <a:lstStyle/>
+          <a:p>
+            <a:r>
+              <a:rPr lang="pt-BR" dirty="0" smtClean="0"/>
+              <a:t>Exercise</a:t>
+            </a:r>
+            <a:endParaRPr lang="en-US" dirty="0"/>
+          </a:p>
+        </p:txBody>
+      </p:sp>
+      <p:sp>
+        <p:nvSpPr>
+          <p:cNvPr id="3" name="Content Placeholder 2"/>
+          <p:cNvSpPr>
+            <a:spLocks noGrp="1"/>
+          </p:cNvSpPr>
+          <p:nvPr>
+            <p:ph idx="1"/>
+          </p:nvPr>
+        </p:nvSpPr>
+        <p:spPr/>
+        <p:txBody>
+          <a:bodyPr/>
+          <a:lstStyle/>
+          <a:p>
+            <a:endParaRPr lang="en-US"/>
           </a:p>
         </p:txBody>
       </p:sp>
@@ -4631,7 +6491,7 @@
         </p:nvSpPr>
         <p:spPr>
           <a:xfrm>
-            <a:off x="6815797" y="2700997"/>
+            <a:off x="6808764" y="2700997"/>
             <a:ext cx="1702191" cy="2293034"/>
           </a:xfrm>
           <a:prstGeom prst="rect">
@@ -4845,8 +6705,8 @@
         </p:nvSpPr>
         <p:spPr>
           <a:xfrm>
-            <a:off x="6801731" y="2377440"/>
-            <a:ext cx="1955409" cy="369332"/>
+            <a:off x="6865036" y="2447780"/>
+            <a:ext cx="1589647" cy="369332"/>
           </a:xfrm>
           <a:prstGeom prst="rect">
             <a:avLst/>
@@ -4860,10 +6720,14 @@
           <a:lstStyle/>
           <a:p>
             <a:r>
-              <a:rPr lang="pt-BR" dirty="0" smtClean="0"/>
+              <a:rPr lang="pt-BR" dirty="0" smtClean="0">
+                <a:latin typeface="Impact" pitchFamily="34" charset="0"/>
+              </a:rPr>
               <a:t>Memory (RAM)</a:t>
             </a:r>
-            <a:endParaRPr lang="en-US" dirty="0"/>
+            <a:endParaRPr lang="en-US" dirty="0">
+              <a:latin typeface="Impact" pitchFamily="34" charset="0"/>
+            </a:endParaRPr>
           </a:p>
         </p:txBody>
       </p:sp>
@@ -5373,11 +7237,40 @@
           <a:p>
             <a:pPr lvl="1"/>
             <a:r>
-              <a:rPr lang="pt-BR" smtClean="0"/>
-              <a:t>$example_1</a:t>
-            </a:r>
-          </a:p>
-          <a:p>
+              <a:rPr lang="pt-BR" dirty="0" smtClean="0"/>
+              <a:t>$phone_no</a:t>
+            </a:r>
+          </a:p>
+          <a:p>
+            <a:r>
+              <a:rPr lang="pt-BR" dirty="0" smtClean="0"/>
+              <a:t>Assign value to a scalar</a:t>
+            </a:r>
+          </a:p>
+          <a:p>
+            <a:pPr lvl="1"/>
+            <a:r>
+              <a:rPr lang="pt-BR" dirty="0" smtClean="0"/>
+              <a:t>$a =10;</a:t>
+            </a:r>
+          </a:p>
+          <a:p>
+            <a:pPr lvl="1"/>
+            <a:r>
+              <a:rPr lang="pt-BR" dirty="0" smtClean="0"/>
+              <a:t>$student_name = “kanhu”;</a:t>
+            </a:r>
+          </a:p>
+          <a:p>
+            <a:pPr lvl="1"/>
+            <a:r>
+              <a:rPr lang="pt-BR" dirty="0" smtClean="0"/>
+              <a:t>$ phone_no </a:t>
+            </a:r>
+            <a:r>
+              <a:rPr lang="pt-BR" dirty="0" smtClean="0"/>
+              <a:t>= 9876543001;</a:t>
+            </a:r>
             <a:endParaRPr lang="en-US" dirty="0"/>
           </a:p>
         </p:txBody>
@@ -5422,7 +7315,11 @@
           <a:bodyPr/>
           <a:lstStyle/>
           <a:p>
-            <a:endParaRPr lang="en-US"/>
+            <a:r>
+              <a:rPr lang="pt-BR" dirty="0" smtClean="0"/>
+              <a:t>Variable naming conventions </a:t>
+            </a:r>
+            <a:endParaRPr lang="en-US" dirty="0"/>
           </a:p>
         </p:txBody>
       </p:sp>
@@ -5441,7 +7338,50 @@
           <a:bodyPr/>
           <a:lstStyle/>
           <a:p>
-            <a:endParaRPr lang="en-US"/>
+            <a:r>
+              <a:rPr lang="en-US" dirty="0" smtClean="0"/>
+              <a:t>Variable names can contain letters, numbers and </a:t>
+            </a:r>
+            <a:r>
+              <a:rPr lang="en-US" dirty="0" smtClean="0"/>
+              <a:t>underscores</a:t>
+            </a:r>
+          </a:p>
+          <a:p>
+            <a:pPr lvl="1"/>
+            <a:endParaRPr lang="en-US" dirty="0" smtClean="0"/>
+          </a:p>
+          <a:p>
+            <a:r>
+              <a:rPr lang="en-US" dirty="0" smtClean="0"/>
+              <a:t>Case </a:t>
+            </a:r>
+            <a:r>
+              <a:rPr lang="en-US" dirty="0" smtClean="0"/>
+              <a:t>sensitive</a:t>
+            </a:r>
+          </a:p>
+          <a:p>
+            <a:pPr lvl="1"/>
+            <a:endParaRPr lang="en-US" dirty="0" smtClean="0"/>
+          </a:p>
+          <a:p>
+            <a:r>
+              <a:rPr lang="en-US" b="1" dirty="0" smtClean="0"/>
+              <a:t>Cannot</a:t>
+            </a:r>
+            <a:r>
+              <a:rPr lang="en-US" dirty="0" smtClean="0"/>
+              <a:t> start from number (digit</a:t>
+            </a:r>
+            <a:r>
+              <a:rPr lang="en-US" dirty="0" smtClean="0"/>
+              <a:t>)</a:t>
+            </a:r>
+          </a:p>
+          <a:p>
+            <a:pPr lvl="1"/>
+            <a:endParaRPr lang="en-US" dirty="0"/>
           </a:p>
         </p:txBody>
       </p:sp>
